--- a/Team Project/Presentation (1).pptx
+++ b/Team Project/Presentation (1).pptx
@@ -5,29 +5,31 @@
     <p:sldMasterId id="2147483701" r:id="rId1"/>
   </p:sldMasterIdLst>
   <p:notesMasterIdLst>
-    <p:notesMasterId r:id="rId22"/>
+    <p:notesMasterId r:id="rId24"/>
   </p:notesMasterIdLst>
   <p:sldIdLst>
     <p:sldId id="256" r:id="rId2"/>
     <p:sldId id="258" r:id="rId3"/>
     <p:sldId id="257" r:id="rId4"/>
     <p:sldId id="268" r:id="rId5"/>
-    <p:sldId id="267" r:id="rId6"/>
-    <p:sldId id="262" r:id="rId7"/>
-    <p:sldId id="271" r:id="rId8"/>
-    <p:sldId id="273" r:id="rId9"/>
-    <p:sldId id="272" r:id="rId10"/>
-    <p:sldId id="270" r:id="rId11"/>
-    <p:sldId id="263" r:id="rId12"/>
-    <p:sldId id="261" r:id="rId13"/>
-    <p:sldId id="259" r:id="rId14"/>
+    <p:sldId id="274" r:id="rId6"/>
+    <p:sldId id="267" r:id="rId7"/>
+    <p:sldId id="262" r:id="rId8"/>
+    <p:sldId id="271" r:id="rId9"/>
+    <p:sldId id="273" r:id="rId10"/>
+    <p:sldId id="272" r:id="rId11"/>
+    <p:sldId id="270" r:id="rId12"/>
+    <p:sldId id="263" r:id="rId13"/>
+    <p:sldId id="261" r:id="rId14"/>
     <p:sldId id="266" r:id="rId15"/>
-    <p:sldId id="260" r:id="rId16"/>
-    <p:sldId id="277" r:id="rId17"/>
-    <p:sldId id="264" r:id="rId18"/>
-    <p:sldId id="265" r:id="rId19"/>
-    <p:sldId id="275" r:id="rId20"/>
-    <p:sldId id="276" r:id="rId21"/>
+    <p:sldId id="278" r:id="rId16"/>
+    <p:sldId id="259" r:id="rId17"/>
+    <p:sldId id="260" r:id="rId18"/>
+    <p:sldId id="277" r:id="rId19"/>
+    <p:sldId id="264" r:id="rId20"/>
+    <p:sldId id="265" r:id="rId21"/>
+    <p:sldId id="275" r:id="rId22"/>
+    <p:sldId id="276" r:id="rId23"/>
   </p:sldIdLst>
   <p:sldSz cx="12192000" cy="6858000"/>
   <p:notesSz cx="6858000" cy="9144000"/>
@@ -663,7 +665,7 @@
     </p:spTree>
     <p:extLst>
       <p:ext uri="{BB962C8B-B14F-4D97-AF65-F5344CB8AC3E}">
-        <p14:creationId xmlns:p14="http://schemas.microsoft.com/office/powerpoint/2010/main" val="3213541872"/>
+        <p14:creationId xmlns:p14="http://schemas.microsoft.com/office/powerpoint/2010/main" val="4003864469"/>
       </p:ext>
     </p:extLst>
   </p:cSld>
@@ -751,7 +753,7 @@
     </p:spTree>
     <p:extLst>
       <p:ext uri="{BB962C8B-B14F-4D97-AF65-F5344CB8AC3E}">
-        <p14:creationId xmlns:p14="http://schemas.microsoft.com/office/powerpoint/2010/main" val="3078406671"/>
+        <p14:creationId xmlns:p14="http://schemas.microsoft.com/office/powerpoint/2010/main" val="1166190690"/>
       </p:ext>
     </p:extLst>
   </p:cSld>
@@ -839,7 +841,7 @@
     </p:spTree>
     <p:extLst>
       <p:ext uri="{BB962C8B-B14F-4D97-AF65-F5344CB8AC3E}">
-        <p14:creationId xmlns:p14="http://schemas.microsoft.com/office/powerpoint/2010/main" val="1099860108"/>
+        <p14:creationId xmlns:p14="http://schemas.microsoft.com/office/powerpoint/2010/main" val="3078406671"/>
       </p:ext>
     </p:extLst>
   </p:cSld>
@@ -927,7 +929,7 @@
     </p:spTree>
     <p:extLst>
       <p:ext uri="{BB962C8B-B14F-4D97-AF65-F5344CB8AC3E}">
-        <p14:creationId xmlns:p14="http://schemas.microsoft.com/office/powerpoint/2010/main" val="993353610"/>
+        <p14:creationId xmlns:p14="http://schemas.microsoft.com/office/powerpoint/2010/main" val="1099860108"/>
       </p:ext>
     </p:extLst>
   </p:cSld>
@@ -1015,7 +1017,7 @@
     </p:spTree>
     <p:extLst>
       <p:ext uri="{BB962C8B-B14F-4D97-AF65-F5344CB8AC3E}">
-        <p14:creationId xmlns:p14="http://schemas.microsoft.com/office/powerpoint/2010/main" val="328377358"/>
+        <p14:creationId xmlns:p14="http://schemas.microsoft.com/office/powerpoint/2010/main" val="1709547694"/>
       </p:ext>
     </p:extLst>
   </p:cSld>
@@ -1094,7 +1096,7 @@
             <a:fld id="{8D460739-ED95-4F61-A777-121342EC40AB}" type="slidenum">
               <a:rPr lang="en-GB" smtClean="0"/>
               <a:pPr/>
-              <a:t>15</a:t>
+              <a:t>16</a:t>
             </a:fld>
             <a:endParaRPr lang="en-GB"/>
           </a:p>
@@ -1103,7 +1105,7 @@
     </p:spTree>
     <p:extLst>
       <p:ext uri="{BB962C8B-B14F-4D97-AF65-F5344CB8AC3E}">
-        <p14:creationId xmlns:p14="http://schemas.microsoft.com/office/powerpoint/2010/main" val="1082509836"/>
+        <p14:creationId xmlns:p14="http://schemas.microsoft.com/office/powerpoint/2010/main" val="993353610"/>
       </p:ext>
     </p:extLst>
   </p:cSld>
@@ -1191,7 +1193,7 @@
     </p:spTree>
     <p:extLst>
       <p:ext uri="{BB962C8B-B14F-4D97-AF65-F5344CB8AC3E}">
-        <p14:creationId xmlns:p14="http://schemas.microsoft.com/office/powerpoint/2010/main" val="3780271285"/>
+        <p14:creationId xmlns:p14="http://schemas.microsoft.com/office/powerpoint/2010/main" val="1082509836"/>
       </p:ext>
     </p:extLst>
   </p:cSld>
@@ -1279,7 +1281,7 @@
     </p:spTree>
     <p:extLst>
       <p:ext uri="{BB962C8B-B14F-4D97-AF65-F5344CB8AC3E}">
-        <p14:creationId xmlns:p14="http://schemas.microsoft.com/office/powerpoint/2010/main" val="2424727545"/>
+        <p14:creationId xmlns:p14="http://schemas.microsoft.com/office/powerpoint/2010/main" val="1379041168"/>
       </p:ext>
     </p:extLst>
   </p:cSld>
@@ -1367,7 +1369,7 @@
     </p:spTree>
     <p:extLst>
       <p:ext uri="{BB962C8B-B14F-4D97-AF65-F5344CB8AC3E}">
-        <p14:creationId xmlns:p14="http://schemas.microsoft.com/office/powerpoint/2010/main" val="312456574"/>
+        <p14:creationId xmlns:p14="http://schemas.microsoft.com/office/powerpoint/2010/main" val="3780271285"/>
       </p:ext>
     </p:extLst>
   </p:cSld>
@@ -1455,7 +1457,7 @@
     </p:spTree>
     <p:extLst>
       <p:ext uri="{BB962C8B-B14F-4D97-AF65-F5344CB8AC3E}">
-        <p14:creationId xmlns:p14="http://schemas.microsoft.com/office/powerpoint/2010/main" val="696402179"/>
+        <p14:creationId xmlns:p14="http://schemas.microsoft.com/office/powerpoint/2010/main" val="2424727545"/>
       </p:ext>
     </p:extLst>
   </p:cSld>
@@ -1544,6 +1546,182 @@
     <p:extLst>
       <p:ext uri="{BB962C8B-B14F-4D97-AF65-F5344CB8AC3E}">
         <p14:creationId xmlns:p14="http://schemas.microsoft.com/office/powerpoint/2010/main" val="91602918"/>
+      </p:ext>
+    </p:extLst>
+  </p:cSld>
+  <p:clrMapOvr>
+    <a:masterClrMapping/>
+  </p:clrMapOvr>
+</p:notes>
+</file>
+
+<file path=ppt/notesSlides/notesSlide20.xml><?xml version="1.0" encoding="utf-8"?>
+<p:notes xmlns:a="http://schemas.openxmlformats.org/drawingml/2006/main" xmlns:r="http://schemas.openxmlformats.org/officeDocument/2006/relationships" xmlns:p="http://schemas.openxmlformats.org/presentationml/2006/main">
+  <p:cSld>
+    <p:spTree>
+      <p:nvGrpSpPr>
+        <p:cNvPr id="1" name=""/>
+        <p:cNvGrpSpPr/>
+        <p:nvPr/>
+      </p:nvGrpSpPr>
+      <p:grpSpPr>
+        <a:xfrm>
+          <a:off x="0" y="0"/>
+          <a:ext cx="0" cy="0"/>
+          <a:chOff x="0" y="0"/>
+          <a:chExt cx="0" cy="0"/>
+        </a:xfrm>
+      </p:grpSpPr>
+      <p:sp>
+        <p:nvSpPr>
+          <p:cNvPr id="2" name="Slide Image Placeholder 1"/>
+          <p:cNvSpPr>
+            <a:spLocks noGrp="1" noRot="1" noChangeAspect="1"/>
+          </p:cNvSpPr>
+          <p:nvPr>
+            <p:ph type="sldImg"/>
+          </p:nvPr>
+        </p:nvSpPr>
+        <p:spPr/>
+      </p:sp>
+      <p:sp>
+        <p:nvSpPr>
+          <p:cNvPr id="3" name="Notes Placeholder 2"/>
+          <p:cNvSpPr>
+            <a:spLocks noGrp="1"/>
+          </p:cNvSpPr>
+          <p:nvPr>
+            <p:ph type="body" idx="1"/>
+            <p:custDataLst>
+              <p:tags r:id="rId1"/>
+            </p:custDataLst>
+          </p:nvPr>
+        </p:nvSpPr>
+        <p:spPr/>
+        <p:txBody>
+          <a:bodyPr/>
+          <a:lstStyle/>
+          <a:p>
+            <a:endParaRPr lang="en-GB"/>
+          </a:p>
+        </p:txBody>
+      </p:sp>
+      <p:sp>
+        <p:nvSpPr>
+          <p:cNvPr id="4" name="Slide Number Placeholder 3"/>
+          <p:cNvSpPr>
+            <a:spLocks noGrp="1"/>
+          </p:cNvSpPr>
+          <p:nvPr>
+            <p:ph type="sldNum" sz="quarter" idx="10"/>
+          </p:nvPr>
+        </p:nvSpPr>
+        <p:spPr/>
+        <p:txBody>
+          <a:bodyPr/>
+          <a:lstStyle/>
+          <a:p>
+            <a:fld id="{8D460739-ED95-4F61-A777-121342EC40AB}" type="slidenum">
+              <a:rPr lang="en-GB" smtClean="0"/>
+              <a:pPr/>
+              <a:t>21</a:t>
+            </a:fld>
+            <a:endParaRPr lang="en-GB"/>
+          </a:p>
+        </p:txBody>
+      </p:sp>
+    </p:spTree>
+    <p:extLst>
+      <p:ext uri="{BB962C8B-B14F-4D97-AF65-F5344CB8AC3E}">
+        <p14:creationId xmlns:p14="http://schemas.microsoft.com/office/powerpoint/2010/main" val="3857182819"/>
+      </p:ext>
+    </p:extLst>
+  </p:cSld>
+  <p:clrMapOvr>
+    <a:masterClrMapping/>
+  </p:clrMapOvr>
+</p:notes>
+</file>
+
+<file path=ppt/notesSlides/notesSlide21.xml><?xml version="1.0" encoding="utf-8"?>
+<p:notes xmlns:a="http://schemas.openxmlformats.org/drawingml/2006/main" xmlns:r="http://schemas.openxmlformats.org/officeDocument/2006/relationships" xmlns:p="http://schemas.openxmlformats.org/presentationml/2006/main">
+  <p:cSld>
+    <p:spTree>
+      <p:nvGrpSpPr>
+        <p:cNvPr id="1" name=""/>
+        <p:cNvGrpSpPr/>
+        <p:nvPr/>
+      </p:nvGrpSpPr>
+      <p:grpSpPr>
+        <a:xfrm>
+          <a:off x="0" y="0"/>
+          <a:ext cx="0" cy="0"/>
+          <a:chOff x="0" y="0"/>
+          <a:chExt cx="0" cy="0"/>
+        </a:xfrm>
+      </p:grpSpPr>
+      <p:sp>
+        <p:nvSpPr>
+          <p:cNvPr id="2" name="Slide Image Placeholder 1"/>
+          <p:cNvSpPr>
+            <a:spLocks noGrp="1" noRot="1" noChangeAspect="1"/>
+          </p:cNvSpPr>
+          <p:nvPr>
+            <p:ph type="sldImg"/>
+          </p:nvPr>
+        </p:nvSpPr>
+        <p:spPr/>
+      </p:sp>
+      <p:sp>
+        <p:nvSpPr>
+          <p:cNvPr id="3" name="Notes Placeholder 2"/>
+          <p:cNvSpPr>
+            <a:spLocks noGrp="1"/>
+          </p:cNvSpPr>
+          <p:nvPr>
+            <p:ph type="body" idx="1"/>
+            <p:custDataLst>
+              <p:tags r:id="rId1"/>
+            </p:custDataLst>
+          </p:nvPr>
+        </p:nvSpPr>
+        <p:spPr/>
+        <p:txBody>
+          <a:bodyPr/>
+          <a:lstStyle/>
+          <a:p>
+            <a:endParaRPr lang="en-GB"/>
+          </a:p>
+        </p:txBody>
+      </p:sp>
+      <p:sp>
+        <p:nvSpPr>
+          <p:cNvPr id="4" name="Slide Number Placeholder 3"/>
+          <p:cNvSpPr>
+            <a:spLocks noGrp="1"/>
+          </p:cNvSpPr>
+          <p:nvPr>
+            <p:ph type="sldNum" sz="quarter" idx="10"/>
+          </p:nvPr>
+        </p:nvSpPr>
+        <p:spPr/>
+        <p:txBody>
+          <a:bodyPr/>
+          <a:lstStyle/>
+          <a:p>
+            <a:fld id="{8D460739-ED95-4F61-A777-121342EC40AB}" type="slidenum">
+              <a:rPr lang="en-GB" smtClean="0"/>
+              <a:pPr/>
+              <a:t>22</a:t>
+            </a:fld>
+            <a:endParaRPr lang="en-GB"/>
+          </a:p>
+        </p:txBody>
+      </p:sp>
+    </p:spTree>
+    <p:extLst>
+      <p:ext uri="{BB962C8B-B14F-4D97-AF65-F5344CB8AC3E}">
+        <p14:creationId xmlns:p14="http://schemas.microsoft.com/office/powerpoint/2010/main" val="2323434056"/>
       </p:ext>
     </p:extLst>
   </p:cSld>
@@ -1719,7 +1897,7 @@
     </p:spTree>
     <p:extLst>
       <p:ext uri="{BB962C8B-B14F-4D97-AF65-F5344CB8AC3E}">
-        <p14:creationId xmlns:p14="http://schemas.microsoft.com/office/powerpoint/2010/main" val="2429642287"/>
+        <p14:creationId xmlns:p14="http://schemas.microsoft.com/office/powerpoint/2010/main" val="2391559887"/>
       </p:ext>
     </p:extLst>
   </p:cSld>
@@ -1807,7 +1985,7 @@
     </p:spTree>
     <p:extLst>
       <p:ext uri="{BB962C8B-B14F-4D97-AF65-F5344CB8AC3E}">
-        <p14:creationId xmlns:p14="http://schemas.microsoft.com/office/powerpoint/2010/main" val="3036617599"/>
+        <p14:creationId xmlns:p14="http://schemas.microsoft.com/office/powerpoint/2010/main" val="3933367976"/>
       </p:ext>
     </p:extLst>
   </p:cSld>
@@ -1895,7 +2073,7 @@
     </p:spTree>
     <p:extLst>
       <p:ext uri="{BB962C8B-B14F-4D97-AF65-F5344CB8AC3E}">
-        <p14:creationId xmlns:p14="http://schemas.microsoft.com/office/powerpoint/2010/main" val="4061955364"/>
+        <p14:creationId xmlns:p14="http://schemas.microsoft.com/office/powerpoint/2010/main" val="1013879581"/>
       </p:ext>
     </p:extLst>
   </p:cSld>
@@ -1983,7 +2161,7 @@
     </p:spTree>
     <p:extLst>
       <p:ext uri="{BB962C8B-B14F-4D97-AF65-F5344CB8AC3E}">
-        <p14:creationId xmlns:p14="http://schemas.microsoft.com/office/powerpoint/2010/main" val="344155132"/>
+        <p14:creationId xmlns:p14="http://schemas.microsoft.com/office/powerpoint/2010/main" val="4061955364"/>
       </p:ext>
     </p:extLst>
   </p:cSld>
@@ -2071,7 +2249,7 @@
     </p:spTree>
     <p:extLst>
       <p:ext uri="{BB962C8B-B14F-4D97-AF65-F5344CB8AC3E}">
-        <p14:creationId xmlns:p14="http://schemas.microsoft.com/office/powerpoint/2010/main" val="2306072906"/>
+        <p14:creationId xmlns:p14="http://schemas.microsoft.com/office/powerpoint/2010/main" val="458544928"/>
       </p:ext>
     </p:extLst>
   </p:cSld>
@@ -2159,7 +2337,7 @@
     </p:spTree>
     <p:extLst>
       <p:ext uri="{BB962C8B-B14F-4D97-AF65-F5344CB8AC3E}">
-        <p14:creationId xmlns:p14="http://schemas.microsoft.com/office/powerpoint/2010/main" val="639975216"/>
+        <p14:creationId xmlns:p14="http://schemas.microsoft.com/office/powerpoint/2010/main" val="2111058025"/>
       </p:ext>
     </p:extLst>
   </p:cSld>
@@ -7930,19 +8108,14 @@
             <p:ph type="ctrTitle"/>
           </p:nvPr>
         </p:nvSpPr>
-        <p:spPr>
-          <a:xfrm>
-            <a:off x="1897032" y="1835275"/>
-            <a:ext cx="7766936" cy="1646302"/>
-          </a:xfrm>
-        </p:spPr>
+        <p:spPr/>
         <p:txBody>
           <a:bodyPr/>
           <a:lstStyle/>
           <a:p>
             <a:r>
               <a:rPr lang="en-GB" dirty="0"/>
-              <a:t>Introduction</a:t>
+              <a:t>intro</a:t>
             </a:r>
           </a:p>
         </p:txBody>
@@ -7962,10 +8135,7 @@
           <a:bodyPr/>
           <a:lstStyle/>
           <a:p>
-            <a:r>
-              <a:rPr lang="en-GB" dirty="0"/>
-              <a:t>A quick breakdown about the creation of SADA Superstore</a:t>
-            </a:r>
+            <a:endParaRPr lang="en-GB"/>
           </a:p>
         </p:txBody>
       </p:sp>
@@ -7983,2543 +8153,6 @@
 </file>
 
 <file path=ppt/slides/slide10.xml><?xml version="1.0" encoding="utf-8"?>
-<p:sld xmlns:a="http://schemas.openxmlformats.org/drawingml/2006/main" xmlns:r="http://schemas.openxmlformats.org/officeDocument/2006/relationships" xmlns:p="http://schemas.openxmlformats.org/presentationml/2006/main">
-  <p:cSld>
-    <p:spTree>
-      <p:nvGrpSpPr>
-        <p:cNvPr id="1" name=""/>
-        <p:cNvGrpSpPr/>
-        <p:nvPr/>
-      </p:nvGrpSpPr>
-      <p:grpSpPr>
-        <a:xfrm>
-          <a:off x="0" y="0"/>
-          <a:ext cx="0" cy="0"/>
-          <a:chOff x="0" y="0"/>
-          <a:chExt cx="0" cy="0"/>
-        </a:xfrm>
-      </p:grpSpPr>
-      <p:sp>
-        <p:nvSpPr>
-          <p:cNvPr id="2" name="Title 1"/>
-          <p:cNvSpPr>
-            <a:spLocks noGrp="1"/>
-          </p:cNvSpPr>
-          <p:nvPr>
-            <p:ph type="title"/>
-          </p:nvPr>
-        </p:nvSpPr>
-        <p:spPr>
-          <a:xfrm>
-            <a:off x="677334" y="609600"/>
-            <a:ext cx="8596668" cy="1320800"/>
-          </a:xfrm>
-        </p:spPr>
-        <p:txBody>
-          <a:bodyPr/>
-          <a:lstStyle/>
-          <a:p>
-            <a:r>
-              <a:rPr lang="en-GB" dirty="0"/>
-              <a:t>Project Manager</a:t>
-            </a:r>
-          </a:p>
-        </p:txBody>
-      </p:sp>
-      <p:sp>
-        <p:nvSpPr>
-          <p:cNvPr id="3" name="Content Placeholder 2"/>
-          <p:cNvSpPr>
-            <a:spLocks noGrp="1"/>
-          </p:cNvSpPr>
-          <p:nvPr>
-            <p:ph idx="1"/>
-          </p:nvPr>
-        </p:nvSpPr>
-        <p:spPr>
-          <a:xfrm>
-            <a:off x="677334" y="2160589"/>
-            <a:ext cx="8596668" cy="3880773"/>
-          </a:xfrm>
-        </p:spPr>
-        <p:txBody>
-          <a:bodyPr/>
-          <a:lstStyle/>
-          <a:p>
-            <a:r>
-              <a:rPr lang="en-GB" dirty="0"/>
-              <a:t>Overall responsibility for initiating, planning, design, execution, monitoring, controlling and finalising the project</a:t>
-            </a:r>
-          </a:p>
-          <a:p>
-            <a:r>
-              <a:rPr lang="en-GB" dirty="0"/>
-              <a:t>The ability to ask penetrating questions</a:t>
-            </a:r>
-          </a:p>
-          <a:p>
-            <a:r>
-              <a:rPr lang="en-GB" dirty="0"/>
-              <a:t>Chase up and confirm assumptions</a:t>
-            </a:r>
-          </a:p>
-          <a:p>
-            <a:r>
-              <a:rPr lang="en-GB" dirty="0"/>
-              <a:t>Key roles – planning and setting up variables</a:t>
-            </a:r>
-          </a:p>
-          <a:p>
-            <a:r>
-              <a:rPr lang="en-GB" dirty="0"/>
-              <a:t>Resourcing</a:t>
-            </a:r>
-          </a:p>
-          <a:p>
-            <a:r>
-              <a:rPr lang="en-GB" dirty="0"/>
-              <a:t>Schedules</a:t>
-            </a:r>
-          </a:p>
-          <a:p>
-            <a:r>
-              <a:rPr lang="en-GB" dirty="0"/>
-              <a:t>Managing issues</a:t>
-            </a:r>
-          </a:p>
-          <a:p>
-            <a:r>
-              <a:rPr lang="en-GB" dirty="0"/>
-              <a:t>Leadership</a:t>
-            </a:r>
-          </a:p>
-          <a:p>
-            <a:r>
-              <a:rPr lang="en-GB" dirty="0"/>
-              <a:t>Confidence and assurance</a:t>
-            </a:r>
-          </a:p>
-        </p:txBody>
-      </p:sp>
-      <p:sp>
-        <p:nvSpPr>
-          <p:cNvPr id="4" name="TextBox 3"/>
-          <p:cNvSpPr txBox="1"/>
-          <p:nvPr/>
-        </p:nvSpPr>
-        <p:spPr>
-          <a:xfrm>
-            <a:off x="1546412" y="6217024"/>
-            <a:ext cx="847164" cy="369332"/>
-          </a:xfrm>
-          <a:prstGeom prst="rect">
-            <a:avLst/>
-          </a:prstGeom>
-          <a:noFill/>
-        </p:spPr>
-        <p:txBody>
-          <a:bodyPr wrap="square" rtlCol="0">
-            <a:spAutoFit/>
-          </a:bodyPr>
-          <a:lstStyle/>
-          <a:p>
-            <a:r>
-              <a:rPr lang="en-GB" dirty="0" err="1"/>
-              <a:t>akber</a:t>
-            </a:r>
-            <a:endParaRPr lang="en-GB" dirty="0"/>
-          </a:p>
-        </p:txBody>
-      </p:sp>
-    </p:spTree>
-    <p:extLst>
-      <p:ext uri="{BB962C8B-B14F-4D97-AF65-F5344CB8AC3E}">
-        <p14:creationId xmlns:p14="http://schemas.microsoft.com/office/powerpoint/2010/main" val="2935926486"/>
-      </p:ext>
-    </p:extLst>
-  </p:cSld>
-  <p:clrMapOvr>
-    <a:masterClrMapping/>
-  </p:clrMapOvr>
-</p:sld>
-</file>
-
-<file path=ppt/slides/slide11.xml><?xml version="1.0" encoding="utf-8"?>
-<p:sld xmlns:a="http://schemas.openxmlformats.org/drawingml/2006/main" xmlns:r="http://schemas.openxmlformats.org/officeDocument/2006/relationships" xmlns:p="http://schemas.openxmlformats.org/presentationml/2006/main">
-  <p:cSld>
-    <p:spTree>
-      <p:nvGrpSpPr>
-        <p:cNvPr id="1" name=""/>
-        <p:cNvGrpSpPr/>
-        <p:nvPr/>
-      </p:nvGrpSpPr>
-      <p:grpSpPr>
-        <a:xfrm>
-          <a:off x="0" y="0"/>
-          <a:ext cx="0" cy="0"/>
-          <a:chOff x="0" y="0"/>
-          <a:chExt cx="0" cy="0"/>
-        </a:xfrm>
-      </p:grpSpPr>
-      <p:sp>
-        <p:nvSpPr>
-          <p:cNvPr id="2" name="Title 1"/>
-          <p:cNvSpPr>
-            <a:spLocks noGrp="1"/>
-          </p:cNvSpPr>
-          <p:nvPr>
-            <p:ph type="title"/>
-          </p:nvPr>
-        </p:nvSpPr>
-        <p:spPr>
-          <a:xfrm>
-            <a:off x="507004" y="85165"/>
-            <a:ext cx="8596668" cy="1320800"/>
-          </a:xfrm>
-        </p:spPr>
-        <p:txBody>
-          <a:bodyPr>
-            <a:normAutofit fontScale="90000"/>
-          </a:bodyPr>
-          <a:lstStyle/>
-          <a:p>
-            <a:r>
-              <a:rPr lang="en-GB" dirty="0"/>
-              <a:t> Supplier</a:t>
-            </a:r>
-            <a:br>
-              <a:rPr lang="en-GB" dirty="0"/>
-            </a:br>
-            <a:r>
-              <a:rPr lang="en-GB" dirty="0"/>
-              <a:t/>
-            </a:r>
-            <a:br>
-              <a:rPr lang="en-GB" dirty="0"/>
-            </a:br>
-            <a:endParaRPr lang="en-GB" dirty="0"/>
-          </a:p>
-        </p:txBody>
-      </p:sp>
-      <p:sp>
-        <p:nvSpPr>
-          <p:cNvPr id="3" name="Content Placeholder 2"/>
-          <p:cNvSpPr>
-            <a:spLocks noGrp="1"/>
-          </p:cNvSpPr>
-          <p:nvPr>
-            <p:ph idx="1"/>
-          </p:nvPr>
-        </p:nvSpPr>
-        <p:spPr>
-          <a:xfrm>
-            <a:off x="507004" y="1013011"/>
-            <a:ext cx="9748619" cy="5481917"/>
-          </a:xfrm>
-        </p:spPr>
-        <p:txBody>
-          <a:bodyPr>
-            <a:normAutofit fontScale="77500" lnSpcReduction="20000"/>
-          </a:bodyPr>
-          <a:lstStyle/>
-          <a:p>
-            <a:r>
-              <a:rPr lang="en-GB" dirty="0"/>
-              <a:t>Who is  a supplier?</a:t>
-            </a:r>
-          </a:p>
-          <a:p>
-            <a:pPr lvl="1"/>
-            <a:r>
-              <a:rPr lang="en-GB" dirty="0"/>
-              <a:t>Manufacturer, distributor or a vendor</a:t>
-            </a:r>
-          </a:p>
-          <a:p>
-            <a:pPr lvl="1"/>
-            <a:r>
-              <a:rPr lang="en-GB" dirty="0"/>
-              <a:t>Can ship products to the supplier distribution hubs or directly to the retail store</a:t>
-            </a:r>
-          </a:p>
-          <a:p>
-            <a:pPr lvl="1"/>
-            <a:r>
-              <a:rPr lang="en-GB" dirty="0"/>
-              <a:t>Reliable and efficient </a:t>
-            </a:r>
-          </a:p>
-          <a:p>
-            <a:pPr marL="457200" lvl="1" indent="0">
-              <a:buNone/>
-            </a:pPr>
-            <a:endParaRPr lang="en-GB" dirty="0"/>
-          </a:p>
-          <a:p>
-            <a:r>
-              <a:rPr lang="en-GB" dirty="0"/>
-              <a:t>What is the role of a supplier?</a:t>
-            </a:r>
-          </a:p>
-          <a:p>
-            <a:pPr lvl="1"/>
-            <a:r>
-              <a:rPr lang="en-GB" dirty="0"/>
-              <a:t>Provide the products to resellers</a:t>
-            </a:r>
-          </a:p>
-          <a:p>
-            <a:pPr marL="457200" lvl="1" indent="0">
-              <a:buNone/>
-            </a:pPr>
-            <a:endParaRPr lang="en-GB" dirty="0"/>
-          </a:p>
-          <a:p>
-            <a:r>
-              <a:rPr lang="en-GB" dirty="0"/>
-              <a:t>The relationship between supplier and seller?</a:t>
-            </a:r>
-          </a:p>
-          <a:p>
-            <a:pPr lvl="1"/>
-            <a:r>
-              <a:rPr lang="en-GB" dirty="0"/>
-              <a:t>Is a very close relationship almost like a food chain between customer, seller and supplier</a:t>
-            </a:r>
-          </a:p>
-          <a:p>
-            <a:pPr marL="457200" lvl="1" indent="0">
-              <a:buNone/>
-            </a:pPr>
-            <a:endParaRPr lang="en-GB" dirty="0"/>
-          </a:p>
-          <a:p>
-            <a:r>
-              <a:rPr lang="en-GB" dirty="0"/>
-              <a:t>Responsibilities of a supplier? </a:t>
-            </a:r>
-          </a:p>
-          <a:p>
-            <a:pPr lvl="1"/>
-            <a:r>
-              <a:rPr lang="en-GB" dirty="0"/>
-              <a:t>Source the seller good products, material and supplier</a:t>
-            </a:r>
-          </a:p>
-          <a:p>
-            <a:pPr lvl="1"/>
-            <a:endParaRPr lang="en-GB" dirty="0"/>
-          </a:p>
-          <a:p>
-            <a:r>
-              <a:rPr lang="en-GB" dirty="0"/>
-              <a:t>What is EDI?</a:t>
-            </a:r>
-          </a:p>
-          <a:p>
-            <a:pPr lvl="1"/>
-            <a:r>
-              <a:rPr lang="en-GB" dirty="0"/>
-              <a:t>Electronic data integration – links databases, allows access between computer systems.</a:t>
-            </a:r>
-          </a:p>
-          <a:p>
-            <a:pPr lvl="1"/>
-            <a:r>
-              <a:rPr lang="en-GB" dirty="0"/>
-              <a:t>EDI is the best method and shows the trust between the supplier and seller</a:t>
-            </a:r>
-          </a:p>
-          <a:p>
-            <a:pPr lvl="1"/>
-            <a:r>
-              <a:rPr lang="en-GB" dirty="0"/>
-              <a:t>I am working on creating functions that will retrieve stock levels and update stock by requesting orders from the supplier.</a:t>
-            </a:r>
-          </a:p>
-          <a:p>
-            <a:pPr lvl="1"/>
-            <a:endParaRPr lang="en-GB" dirty="0"/>
-          </a:p>
-          <a:p>
-            <a:pPr lvl="1"/>
-            <a:endParaRPr lang="en-GB" dirty="0"/>
-          </a:p>
-          <a:p>
-            <a:pPr marL="457200" lvl="1" indent="0">
-              <a:buNone/>
-            </a:pPr>
-            <a:endParaRPr lang="en-GB" dirty="0"/>
-          </a:p>
-          <a:p>
-            <a:endParaRPr lang="en-GB" dirty="0"/>
-          </a:p>
-          <a:p>
-            <a:pPr marL="457200" lvl="1" indent="0">
-              <a:buNone/>
-            </a:pPr>
-            <a:endParaRPr lang="en-GB" dirty="0"/>
-          </a:p>
-        </p:txBody>
-      </p:sp>
-      <p:sp>
-        <p:nvSpPr>
-          <p:cNvPr id="4" name="TextBox 3"/>
-          <p:cNvSpPr txBox="1"/>
-          <p:nvPr/>
-        </p:nvSpPr>
-        <p:spPr>
-          <a:xfrm>
-            <a:off x="1089212" y="6125596"/>
-            <a:ext cx="847164" cy="369332"/>
-          </a:xfrm>
-          <a:prstGeom prst="rect">
-            <a:avLst/>
-          </a:prstGeom>
-          <a:noFill/>
-        </p:spPr>
-        <p:txBody>
-          <a:bodyPr wrap="square" rtlCol="0">
-            <a:spAutoFit/>
-          </a:bodyPr>
-          <a:lstStyle/>
-          <a:p>
-            <a:r>
-              <a:rPr lang="en-GB" dirty="0" err="1"/>
-              <a:t>akber</a:t>
-            </a:r>
-            <a:endParaRPr lang="en-GB" dirty="0"/>
-          </a:p>
-        </p:txBody>
-      </p:sp>
-    </p:spTree>
-    <p:extLst>
-      <p:ext uri="{BB962C8B-B14F-4D97-AF65-F5344CB8AC3E}">
-        <p14:creationId xmlns:p14="http://schemas.microsoft.com/office/powerpoint/2010/main" val="3323877898"/>
-      </p:ext>
-    </p:extLst>
-  </p:cSld>
-  <p:clrMapOvr>
-    <a:masterClrMapping/>
-  </p:clrMapOvr>
-</p:sld>
-</file>
-
-<file path=ppt/slides/slide12.xml><?xml version="1.0" encoding="utf-8"?>
-<p:sld xmlns:a="http://schemas.openxmlformats.org/drawingml/2006/main" xmlns:r="http://schemas.openxmlformats.org/officeDocument/2006/relationships" xmlns:p="http://schemas.openxmlformats.org/presentationml/2006/main">
-  <p:cSld>
-    <p:spTree>
-      <p:nvGrpSpPr>
-        <p:cNvPr id="1" name=""/>
-        <p:cNvGrpSpPr/>
-        <p:nvPr/>
-      </p:nvGrpSpPr>
-      <p:grpSpPr>
-        <a:xfrm>
-          <a:off x="0" y="0"/>
-          <a:ext cx="0" cy="0"/>
-          <a:chOff x="0" y="0"/>
-          <a:chExt cx="0" cy="0"/>
-        </a:xfrm>
-      </p:grpSpPr>
-      <p:sp>
-        <p:nvSpPr>
-          <p:cNvPr id="2" name="Title 1"/>
-          <p:cNvSpPr>
-            <a:spLocks noGrp="1"/>
-          </p:cNvSpPr>
-          <p:nvPr>
-            <p:ph type="title"/>
-          </p:nvPr>
-        </p:nvSpPr>
-        <p:spPr/>
-        <p:txBody>
-          <a:bodyPr/>
-          <a:lstStyle/>
-          <a:p>
-            <a:r>
-              <a:rPr lang="en-GB" dirty="0">
-                <a:latin typeface="Adobe Devanagari" panose="02040503050201020203" pitchFamily="18" charset="0"/>
-                <a:cs typeface="Adobe Devanagari" panose="02040503050201020203" pitchFamily="18" charset="0"/>
-              </a:rPr>
-              <a:t>Marketing </a:t>
-            </a:r>
-            <a:br>
-              <a:rPr lang="en-GB" dirty="0">
-                <a:latin typeface="Adobe Devanagari" panose="02040503050201020203" pitchFamily="18" charset="0"/>
-                <a:cs typeface="Adobe Devanagari" panose="02040503050201020203" pitchFamily="18" charset="0"/>
-              </a:rPr>
-            </a:br>
-            <a:endParaRPr lang="en-GB" dirty="0">
-              <a:latin typeface="Adobe Devanagari" panose="02040503050201020203" pitchFamily="18" charset="0"/>
-              <a:cs typeface="Adobe Devanagari" panose="02040503050201020203" pitchFamily="18" charset="0"/>
-            </a:endParaRPr>
-          </a:p>
-        </p:txBody>
-      </p:sp>
-      <p:sp>
-        <p:nvSpPr>
-          <p:cNvPr id="3" name="Content Placeholder 2"/>
-          <p:cNvSpPr>
-            <a:spLocks noGrp="1"/>
-          </p:cNvSpPr>
-          <p:nvPr>
-            <p:ph idx="1"/>
-          </p:nvPr>
-        </p:nvSpPr>
-        <p:spPr>
-          <a:xfrm>
-            <a:off x="587687" y="2312989"/>
-            <a:ext cx="8596668" cy="3880773"/>
-          </a:xfrm>
-        </p:spPr>
-        <p:txBody>
-          <a:bodyPr/>
-          <a:lstStyle/>
-          <a:p>
-            <a:pPr lvl="0"/>
-            <a:r>
-              <a:rPr lang="en-GB" dirty="0">
-                <a:latin typeface="Adobe Devanagari" panose="02040503050201020203" pitchFamily="18" charset="0"/>
-                <a:cs typeface="Adobe Devanagari" panose="02040503050201020203" pitchFamily="18" charset="0"/>
-              </a:rPr>
-              <a:t>Marketing is where a business creates new ways in which it can improve the performance of sales in hopes of increasing profit.</a:t>
-            </a:r>
-          </a:p>
-          <a:p>
-            <a:pPr lvl="0"/>
-            <a:r>
-              <a:rPr lang="en-GB" dirty="0">
-                <a:latin typeface="Adobe Devanagari" panose="02040503050201020203" pitchFamily="18" charset="0"/>
-                <a:cs typeface="Adobe Devanagari" panose="02040503050201020203" pitchFamily="18" charset="0"/>
-              </a:rPr>
-              <a:t> A business can do this by tracking consumer purchase, and by doing so can offer promotions and offers on popular products.</a:t>
-            </a:r>
-          </a:p>
-          <a:p>
-            <a:pPr lvl="0"/>
-            <a:r>
-              <a:rPr lang="en-GB" dirty="0">
-                <a:latin typeface="Adobe Devanagari" panose="02040503050201020203" pitchFamily="18" charset="0"/>
-                <a:cs typeface="Adobe Devanagari" panose="02040503050201020203" pitchFamily="18" charset="0"/>
-              </a:rPr>
-              <a:t>I approached this core by first researching the offers and promotions of other companies such as Tesco and Sainsbury for a better insight.</a:t>
-            </a:r>
-          </a:p>
-          <a:p>
-            <a:pPr lvl="0"/>
-            <a:r>
-              <a:rPr lang="en-GB" dirty="0">
-                <a:latin typeface="Adobe Devanagari" panose="02040503050201020203" pitchFamily="18" charset="0"/>
-                <a:cs typeface="Adobe Devanagari" panose="02040503050201020203" pitchFamily="18" charset="0"/>
-              </a:rPr>
-              <a:t> In doing so it has helped in deciding on offers and promotions that we will integrate into the software.</a:t>
-            </a:r>
-          </a:p>
-          <a:p>
-            <a:endParaRPr lang="en-GB" dirty="0"/>
-          </a:p>
-          <a:p>
-            <a:endParaRPr lang="en-GB" dirty="0"/>
-          </a:p>
-          <a:p>
-            <a:endParaRPr lang="en-GB" dirty="0"/>
-          </a:p>
-        </p:txBody>
-      </p:sp>
-      <p:sp>
-        <p:nvSpPr>
-          <p:cNvPr id="4" name="TextBox 3"/>
-          <p:cNvSpPr txBox="1"/>
-          <p:nvPr/>
-        </p:nvSpPr>
-        <p:spPr>
-          <a:xfrm>
-            <a:off x="1004047" y="5961530"/>
-            <a:ext cx="1089211" cy="369332"/>
-          </a:xfrm>
-          <a:prstGeom prst="rect">
-            <a:avLst/>
-          </a:prstGeom>
-          <a:noFill/>
-        </p:spPr>
-        <p:txBody>
-          <a:bodyPr wrap="square" rtlCol="0">
-            <a:spAutoFit/>
-          </a:bodyPr>
-          <a:lstStyle/>
-          <a:p>
-            <a:r>
-              <a:rPr lang="en-GB" dirty="0" err="1"/>
-              <a:t>abdala</a:t>
-            </a:r>
-            <a:endParaRPr lang="en-GB" dirty="0"/>
-          </a:p>
-        </p:txBody>
-      </p:sp>
-    </p:spTree>
-    <p:extLst>
-      <p:ext uri="{BB962C8B-B14F-4D97-AF65-F5344CB8AC3E}">
-        <p14:creationId xmlns:p14="http://schemas.microsoft.com/office/powerpoint/2010/main" val="3035221819"/>
-      </p:ext>
-    </p:extLst>
-  </p:cSld>
-  <p:clrMapOvr>
-    <a:masterClrMapping/>
-  </p:clrMapOvr>
-</p:sld>
-</file>
-
-<file path=ppt/slides/slide13.xml><?xml version="1.0" encoding="utf-8"?>
-<p:sld xmlns:a="http://schemas.openxmlformats.org/drawingml/2006/main" xmlns:r="http://schemas.openxmlformats.org/officeDocument/2006/relationships" xmlns:p="http://schemas.openxmlformats.org/presentationml/2006/main">
-  <p:cSld>
-    <p:spTree>
-      <p:nvGrpSpPr>
-        <p:cNvPr id="1" name=""/>
-        <p:cNvGrpSpPr/>
-        <p:nvPr/>
-      </p:nvGrpSpPr>
-      <p:grpSpPr>
-        <a:xfrm>
-          <a:off x="0" y="0"/>
-          <a:ext cx="0" cy="0"/>
-          <a:chOff x="0" y="0"/>
-          <a:chExt cx="0" cy="0"/>
-        </a:xfrm>
-      </p:grpSpPr>
-      <p:sp>
-        <p:nvSpPr>
-          <p:cNvPr id="2" name="Title 1"/>
-          <p:cNvSpPr>
-            <a:spLocks noGrp="1"/>
-          </p:cNvSpPr>
-          <p:nvPr>
-            <p:ph type="title"/>
-          </p:nvPr>
-        </p:nvSpPr>
-        <p:spPr/>
-        <p:txBody>
-          <a:bodyPr/>
-          <a:lstStyle/>
-          <a:p>
-            <a:r>
-              <a:rPr lang="en-GB" dirty="0"/>
-              <a:t>Loyalty Scheme</a:t>
-            </a:r>
-          </a:p>
-        </p:txBody>
-      </p:sp>
-      <p:sp>
-        <p:nvSpPr>
-          <p:cNvPr id="3" name="Content Placeholder 2"/>
-          <p:cNvSpPr>
-            <a:spLocks noGrp="1"/>
-          </p:cNvSpPr>
-          <p:nvPr>
-            <p:ph idx="1"/>
-          </p:nvPr>
-        </p:nvSpPr>
-        <p:spPr>
-          <a:xfrm>
-            <a:off x="677334" y="1476103"/>
-            <a:ext cx="8596668" cy="4937760"/>
-          </a:xfrm>
-        </p:spPr>
-        <p:txBody>
-          <a:bodyPr>
-            <a:noAutofit/>
-          </a:bodyPr>
-          <a:lstStyle/>
-          <a:p>
-            <a:r>
-              <a:rPr lang="en-GB" sz="1400" dirty="0"/>
-              <a:t>Loyalty Scheme is a rewards program offered by our company to those customers who frequently make purchases in our store. A loyalty scheme program gives our customer advanced access to new products, special sales coupons or free gift voucher to use within our  stores. </a:t>
-            </a:r>
-          </a:p>
-          <a:p>
-            <a:pPr>
-              <a:buNone/>
-            </a:pPr>
-            <a:r>
-              <a:rPr lang="en-GB" sz="1400" dirty="0"/>
-              <a:t>      To benefit form this scheme ,customers have to  register their personal information with the our store. After successful registration we issue a unique identifier, such as a numerical ID or membership card so that our customers can use that identifier when making a purchase in our stores.</a:t>
-            </a:r>
-          </a:p>
-          <a:p>
-            <a:endParaRPr lang="en-GB" sz="1400" dirty="0"/>
-          </a:p>
-          <a:p>
-            <a:r>
-              <a:rPr lang="en-GB" sz="1400" dirty="0"/>
-              <a:t>Research of php and mysql loyalty scheme  integration</a:t>
-            </a:r>
-          </a:p>
-          <a:p>
-            <a:r>
-              <a:rPr lang="en-GB" sz="1400" dirty="0"/>
-              <a:t>Alter table accounts to create points column </a:t>
-            </a:r>
-          </a:p>
-          <a:p>
-            <a:r>
-              <a:rPr lang="en-GB" sz="1400" dirty="0"/>
-              <a:t>Gathering resources</a:t>
-            </a:r>
-          </a:p>
-          <a:p>
-            <a:r>
-              <a:rPr lang="en-GB" sz="1400" dirty="0"/>
-              <a:t>Testing </a:t>
-            </a:r>
-          </a:p>
-          <a:p>
-            <a:endParaRPr lang="en-GB" sz="1600" dirty="0"/>
-          </a:p>
-          <a:p>
-            <a:r>
-              <a:rPr lang="en-GB" sz="1600" dirty="0"/>
-              <a:t>Functions required:</a:t>
-            </a:r>
-          </a:p>
-          <a:p>
-            <a:pPr lvl="1">
-              <a:buFont typeface="+mj-lt"/>
-              <a:buAutoNum type="arabicPeriod"/>
-            </a:pPr>
-            <a:r>
-              <a:rPr lang="en-GB" sz="1400" dirty="0"/>
-              <a:t>create function to add point </a:t>
-            </a:r>
-          </a:p>
-          <a:p>
-            <a:pPr lvl="1">
-              <a:buFont typeface="+mj-lt"/>
-              <a:buAutoNum type="arabicPeriod"/>
-            </a:pPr>
-            <a:r>
-              <a:rPr lang="en-GB" sz="1400" dirty="0"/>
-              <a:t>create function to  redeem the points to increase balance</a:t>
-            </a:r>
-          </a:p>
-          <a:p>
-            <a:endParaRPr lang="en-GB" dirty="0"/>
-          </a:p>
-        </p:txBody>
-      </p:sp>
-      <p:sp>
-        <p:nvSpPr>
-          <p:cNvPr id="4" name="TextBox 3"/>
-          <p:cNvSpPr txBox="1"/>
-          <p:nvPr/>
-        </p:nvSpPr>
-        <p:spPr>
-          <a:xfrm>
-            <a:off x="6616209" y="5894295"/>
-            <a:ext cx="1169638" cy="369332"/>
-          </a:xfrm>
-          <a:prstGeom prst="rect">
-            <a:avLst/>
-          </a:prstGeom>
-          <a:noFill/>
-        </p:spPr>
-        <p:txBody>
-          <a:bodyPr wrap="square" rtlCol="0">
-            <a:spAutoFit/>
-          </a:bodyPr>
-          <a:lstStyle/>
-          <a:p>
-            <a:r>
-              <a:rPr lang="en-GB" dirty="0" err="1"/>
-              <a:t>subodo</a:t>
-            </a:r>
-            <a:endParaRPr lang="en-GB" dirty="0"/>
-          </a:p>
-        </p:txBody>
-      </p:sp>
-    </p:spTree>
-    <p:extLst>
-      <p:ext uri="{BB962C8B-B14F-4D97-AF65-F5344CB8AC3E}">
-        <p14:creationId xmlns:p14="http://schemas.microsoft.com/office/powerpoint/2010/main" val="4066050362"/>
-      </p:ext>
-    </p:extLst>
-  </p:cSld>
-  <p:clrMapOvr>
-    <a:masterClrMapping/>
-  </p:clrMapOvr>
-</p:sld>
-</file>
-
-<file path=ppt/slides/slide14.xml><?xml version="1.0" encoding="utf-8"?>
-<p:sld xmlns:a="http://schemas.openxmlformats.org/drawingml/2006/main" xmlns:r="http://schemas.openxmlformats.org/officeDocument/2006/relationships" xmlns:p="http://schemas.openxmlformats.org/presentationml/2006/main">
-  <p:cSld>
-    <p:spTree>
-      <p:nvGrpSpPr>
-        <p:cNvPr id="1" name=""/>
-        <p:cNvGrpSpPr/>
-        <p:nvPr/>
-      </p:nvGrpSpPr>
-      <p:grpSpPr>
-        <a:xfrm>
-          <a:off x="0" y="0"/>
-          <a:ext cx="0" cy="0"/>
-          <a:chOff x="0" y="0"/>
-          <a:chExt cx="0" cy="0"/>
-        </a:xfrm>
-      </p:grpSpPr>
-      <p:sp>
-        <p:nvSpPr>
-          <p:cNvPr id="2" name="Title 1"/>
-          <p:cNvSpPr>
-            <a:spLocks noGrp="1"/>
-          </p:cNvSpPr>
-          <p:nvPr>
-            <p:ph type="title"/>
-          </p:nvPr>
-        </p:nvSpPr>
-        <p:spPr/>
-        <p:txBody>
-          <a:bodyPr/>
-          <a:lstStyle/>
-          <a:p>
-            <a:r>
-              <a:rPr lang="en-GB" dirty="0">
-                <a:latin typeface="Adobe Devanagari" panose="02040503050201020203" pitchFamily="18" charset="0"/>
-                <a:cs typeface="Adobe Devanagari" panose="02040503050201020203" pitchFamily="18" charset="0"/>
-              </a:rPr>
-              <a:t>Marketing-Software</a:t>
-            </a:r>
-          </a:p>
-        </p:txBody>
-      </p:sp>
-      <p:sp>
-        <p:nvSpPr>
-          <p:cNvPr id="3" name="Content Placeholder 2"/>
-          <p:cNvSpPr>
-            <a:spLocks noGrp="1"/>
-          </p:cNvSpPr>
-          <p:nvPr>
-            <p:ph idx="1"/>
-          </p:nvPr>
-        </p:nvSpPr>
-        <p:spPr/>
-        <p:txBody>
-          <a:bodyPr/>
-          <a:lstStyle/>
-          <a:p>
-            <a:r>
-              <a:rPr lang="en-GB" dirty="0">
-                <a:latin typeface="Adobe Devanagari" panose="02040503050201020203" pitchFamily="18" charset="0"/>
-                <a:cs typeface="Adobe Devanagari" panose="02040503050201020203" pitchFamily="18" charset="0"/>
-              </a:rPr>
-              <a:t>[The code will be here along with a screenshot displaying its function and purpose and how it affects the software.]</a:t>
-            </a:r>
-          </a:p>
-        </p:txBody>
-      </p:sp>
-      <p:sp>
-        <p:nvSpPr>
-          <p:cNvPr id="4" name="TextBox 3"/>
-          <p:cNvSpPr txBox="1"/>
-          <p:nvPr/>
-        </p:nvSpPr>
-        <p:spPr>
-          <a:xfrm>
-            <a:off x="999564" y="5419165"/>
-            <a:ext cx="1156447" cy="369332"/>
-          </a:xfrm>
-          <a:prstGeom prst="rect">
-            <a:avLst/>
-          </a:prstGeom>
-          <a:noFill/>
-        </p:spPr>
-        <p:txBody>
-          <a:bodyPr wrap="square" rtlCol="0">
-            <a:spAutoFit/>
-          </a:bodyPr>
-          <a:lstStyle/>
-          <a:p>
-            <a:r>
-              <a:rPr lang="en-GB" dirty="0" err="1"/>
-              <a:t>abdala</a:t>
-            </a:r>
-            <a:endParaRPr lang="en-GB" dirty="0"/>
-          </a:p>
-        </p:txBody>
-      </p:sp>
-    </p:spTree>
-    <p:extLst>
-      <p:ext uri="{BB962C8B-B14F-4D97-AF65-F5344CB8AC3E}">
-        <p14:creationId xmlns:p14="http://schemas.microsoft.com/office/powerpoint/2010/main" val="241369529"/>
-      </p:ext>
-    </p:extLst>
-  </p:cSld>
-  <p:clrMapOvr>
-    <a:masterClrMapping/>
-  </p:clrMapOvr>
-</p:sld>
-</file>
-
-<file path=ppt/slides/slide15.xml><?xml version="1.0" encoding="utf-8"?>
-<p:sld xmlns:a="http://schemas.openxmlformats.org/drawingml/2006/main" xmlns:r="http://schemas.openxmlformats.org/officeDocument/2006/relationships" xmlns:p="http://schemas.openxmlformats.org/presentationml/2006/main">
-  <p:cSld>
-    <p:spTree>
-      <p:nvGrpSpPr>
-        <p:cNvPr id="1" name=""/>
-        <p:cNvGrpSpPr/>
-        <p:nvPr/>
-      </p:nvGrpSpPr>
-      <p:grpSpPr>
-        <a:xfrm>
-          <a:off x="0" y="0"/>
-          <a:ext cx="0" cy="0"/>
-          <a:chOff x="0" y="0"/>
-          <a:chExt cx="0" cy="0"/>
-        </a:xfrm>
-      </p:grpSpPr>
-      <p:sp>
-        <p:nvSpPr>
-          <p:cNvPr id="2" name="Title 1"/>
-          <p:cNvSpPr>
-            <a:spLocks noGrp="1"/>
-          </p:cNvSpPr>
-          <p:nvPr>
-            <p:ph type="title"/>
-          </p:nvPr>
-        </p:nvSpPr>
-        <p:spPr>
-          <a:xfrm>
-            <a:off x="677334" y="609600"/>
-            <a:ext cx="8596668" cy="749968"/>
-          </a:xfrm>
-        </p:spPr>
-        <p:txBody>
-          <a:bodyPr>
-            <a:normAutofit fontScale="90000"/>
-          </a:bodyPr>
-          <a:lstStyle/>
-          <a:p>
-            <a:r>
-              <a:rPr lang="en-GB" dirty="0"/>
-              <a:t>Payment </a:t>
-            </a:r>
-            <a:br>
-              <a:rPr lang="en-GB" dirty="0"/>
-            </a:br>
-            <a:endParaRPr lang="en-GB" dirty="0"/>
-          </a:p>
-        </p:txBody>
-      </p:sp>
-      <p:sp>
-        <p:nvSpPr>
-          <p:cNvPr id="3" name="Content Placeholder 2"/>
-          <p:cNvSpPr>
-            <a:spLocks noGrp="1"/>
-          </p:cNvSpPr>
-          <p:nvPr>
-            <p:ph idx="1"/>
-          </p:nvPr>
-        </p:nvSpPr>
-        <p:spPr>
-          <a:xfrm>
-            <a:off x="677334" y="1359569"/>
-            <a:ext cx="8596668" cy="4681794"/>
-          </a:xfrm>
-        </p:spPr>
-        <p:txBody>
-          <a:bodyPr>
-            <a:normAutofit/>
-          </a:bodyPr>
-          <a:lstStyle/>
-          <a:p>
-            <a:r>
-              <a:rPr lang="en-US" dirty="0"/>
-              <a:t>The main idea of Payment development plan: The customer can select a payment option Credit card or PayPal, then select the amount he/she wants to add  and uses the money to purchase goods from the website</a:t>
-            </a:r>
-          </a:p>
-          <a:p>
-            <a:r>
-              <a:rPr lang="en-GB" dirty="0"/>
-              <a:t>Research of Php payment integration</a:t>
-            </a:r>
-          </a:p>
-          <a:p>
-            <a:r>
-              <a:rPr lang="en-GB" dirty="0"/>
-              <a:t>Research the payment options Credit card Or PayPal</a:t>
-            </a:r>
-          </a:p>
-          <a:p>
-            <a:r>
-              <a:rPr lang="en-GB" dirty="0"/>
-              <a:t>Gathering resources, code snippets</a:t>
-            </a:r>
-          </a:p>
-          <a:p>
-            <a:r>
-              <a:rPr lang="en-GB" dirty="0"/>
-              <a:t>Functions required:</a:t>
-            </a:r>
-          </a:p>
-          <a:p>
-            <a:pPr lvl="1">
-              <a:buFont typeface="Wingdings" panose="05000000000000000000" pitchFamily="2" charset="2"/>
-              <a:buChar char="§"/>
-            </a:pPr>
-            <a:r>
-              <a:rPr lang="en-GB" dirty="0"/>
-              <a:t>Add_balance.php</a:t>
-            </a:r>
-          </a:p>
-          <a:p>
-            <a:pPr lvl="1">
-              <a:buFont typeface="Wingdings" panose="05000000000000000000" pitchFamily="2" charset="2"/>
-              <a:buChar char="§"/>
-            </a:pPr>
-            <a:r>
-              <a:rPr lang="en-GB" dirty="0"/>
-              <a:t>Buy_product.php</a:t>
-            </a:r>
-          </a:p>
-          <a:p>
-            <a:pPr lvl="1">
-              <a:buFont typeface="Wingdings" panose="05000000000000000000" pitchFamily="2" charset="2"/>
-              <a:buChar char="§"/>
-            </a:pPr>
-            <a:r>
-              <a:rPr lang="en-GB" dirty="0" err="1"/>
-              <a:t>Receipt.php</a:t>
-            </a:r>
-            <a:endParaRPr lang="en-GB" dirty="0"/>
-          </a:p>
-          <a:p>
-            <a:r>
-              <a:rPr lang="en-GB" dirty="0"/>
-              <a:t>Testing of functions</a:t>
-            </a:r>
-          </a:p>
-          <a:p>
-            <a:pPr lvl="1">
-              <a:buFont typeface="Wingdings" panose="05000000000000000000" pitchFamily="2" charset="2"/>
-              <a:buChar char="§"/>
-            </a:pPr>
-            <a:endParaRPr lang="en-GB" dirty="0"/>
-          </a:p>
-          <a:p>
-            <a:endParaRPr lang="en-GB" dirty="0"/>
-          </a:p>
-        </p:txBody>
-      </p:sp>
-      <p:sp>
-        <p:nvSpPr>
-          <p:cNvPr id="4" name="TextBox 3"/>
-          <p:cNvSpPr txBox="1"/>
-          <p:nvPr/>
-        </p:nvSpPr>
-        <p:spPr>
-          <a:xfrm>
-            <a:off x="1281953" y="6190130"/>
-            <a:ext cx="1013011" cy="369332"/>
-          </a:xfrm>
-          <a:prstGeom prst="rect">
-            <a:avLst/>
-          </a:prstGeom>
-          <a:noFill/>
-        </p:spPr>
-        <p:txBody>
-          <a:bodyPr wrap="square" rtlCol="0">
-            <a:spAutoFit/>
-          </a:bodyPr>
-          <a:lstStyle/>
-          <a:p>
-            <a:r>
-              <a:rPr lang="en-GB" dirty="0" err="1"/>
-              <a:t>david</a:t>
-            </a:r>
-            <a:endParaRPr lang="en-GB" dirty="0"/>
-          </a:p>
-        </p:txBody>
-      </p:sp>
-    </p:spTree>
-    <p:extLst>
-      <p:ext uri="{BB962C8B-B14F-4D97-AF65-F5344CB8AC3E}">
-        <p14:creationId xmlns:p14="http://schemas.microsoft.com/office/powerpoint/2010/main" val="492739854"/>
-      </p:ext>
-    </p:extLst>
-  </p:cSld>
-  <p:clrMapOvr>
-    <a:masterClrMapping/>
-  </p:clrMapOvr>
-</p:sld>
-</file>
-
-<file path=ppt/slides/slide16.xml><?xml version="1.0" encoding="utf-8"?>
-<p:sld xmlns:a="http://schemas.openxmlformats.org/drawingml/2006/main" xmlns:r="http://schemas.openxmlformats.org/officeDocument/2006/relationships" xmlns:p="http://schemas.openxmlformats.org/presentationml/2006/main">
-  <p:cSld>
-    <p:spTree>
-      <p:nvGrpSpPr>
-        <p:cNvPr id="1" name=""/>
-        <p:cNvGrpSpPr/>
-        <p:nvPr/>
-      </p:nvGrpSpPr>
-      <p:grpSpPr>
-        <a:xfrm>
-          <a:off x="0" y="0"/>
-          <a:ext cx="0" cy="0"/>
-          <a:chOff x="0" y="0"/>
-          <a:chExt cx="0" cy="0"/>
-        </a:xfrm>
-      </p:grpSpPr>
-      <p:sp>
-        <p:nvSpPr>
-          <p:cNvPr id="2" name="Title 1"/>
-          <p:cNvSpPr>
-            <a:spLocks noGrp="1"/>
-          </p:cNvSpPr>
-          <p:nvPr>
-            <p:ph type="title"/>
-          </p:nvPr>
-        </p:nvSpPr>
-        <p:spPr/>
-        <p:txBody>
-          <a:bodyPr/>
-          <a:lstStyle/>
-          <a:p>
-            <a:r>
-              <a:rPr lang="en-GB" dirty="0" smtClean="0"/>
-              <a:t>Gantt Chart</a:t>
-            </a:r>
-            <a:endParaRPr lang="en-GB" dirty="0"/>
-          </a:p>
-        </p:txBody>
-      </p:sp>
-      <p:pic>
-        <p:nvPicPr>
-          <p:cNvPr id="4" name="Content Placeholder 3"/>
-          <p:cNvPicPr>
-            <a:picLocks noGrp="1" noChangeAspect="1"/>
-          </p:cNvPicPr>
-          <p:nvPr>
-            <p:ph idx="1"/>
-          </p:nvPr>
-        </p:nvPicPr>
-        <p:blipFill rotWithShape="1">
-          <a:blip r:embed="rId2">
-            <a:extLst>
-              <a:ext uri="{28A0092B-C50C-407E-A947-70E740481C1C}">
-                <a14:useLocalDpi xmlns:a14="http://schemas.microsoft.com/office/drawing/2010/main" val="0"/>
-              </a:ext>
-            </a:extLst>
-          </a:blip>
-          <a:srcRect t="12911"/>
-          <a:stretch/>
-        </p:blipFill>
-        <p:spPr>
-          <a:xfrm>
-            <a:off x="232569" y="1522663"/>
-            <a:ext cx="10957697" cy="4817979"/>
-          </a:xfrm>
-        </p:spPr>
-      </p:pic>
-    </p:spTree>
-    <p:extLst>
-      <p:ext uri="{BB962C8B-B14F-4D97-AF65-F5344CB8AC3E}">
-        <p14:creationId xmlns:p14="http://schemas.microsoft.com/office/powerpoint/2010/main" val="954803797"/>
-      </p:ext>
-    </p:extLst>
-  </p:cSld>
-  <p:clrMapOvr>
-    <a:masterClrMapping/>
-  </p:clrMapOvr>
-</p:sld>
-</file>
-
-<file path=ppt/slides/slide17.xml><?xml version="1.0" encoding="utf-8"?>
-<p:sld xmlns:a="http://schemas.openxmlformats.org/drawingml/2006/main" xmlns:r="http://schemas.openxmlformats.org/officeDocument/2006/relationships" xmlns:p="http://schemas.openxmlformats.org/presentationml/2006/main">
-  <p:cSld>
-    <p:spTree>
-      <p:nvGrpSpPr>
-        <p:cNvPr id="1" name=""/>
-        <p:cNvGrpSpPr/>
-        <p:nvPr/>
-      </p:nvGrpSpPr>
-      <p:grpSpPr>
-        <a:xfrm>
-          <a:off x="0" y="0"/>
-          <a:ext cx="0" cy="0"/>
-          <a:chOff x="0" y="0"/>
-          <a:chExt cx="0" cy="0"/>
-        </a:xfrm>
-      </p:grpSpPr>
-      <p:sp>
-        <p:nvSpPr>
-          <p:cNvPr id="2" name="Title 1"/>
-          <p:cNvSpPr>
-            <a:spLocks noGrp="1"/>
-          </p:cNvSpPr>
-          <p:nvPr>
-            <p:ph type="title"/>
-          </p:nvPr>
-        </p:nvSpPr>
-        <p:spPr/>
-        <p:txBody>
-          <a:bodyPr/>
-          <a:lstStyle/>
-          <a:p>
-            <a:r>
-              <a:rPr lang="en-GB" dirty="0"/>
-              <a:t>First Design </a:t>
-            </a:r>
-          </a:p>
-        </p:txBody>
-      </p:sp>
-      <p:pic>
-        <p:nvPicPr>
-          <p:cNvPr id="4" name="Content Placeholder 3"/>
-          <p:cNvPicPr>
-            <a:picLocks noGrp="1" noChangeAspect="1"/>
-          </p:cNvPicPr>
-          <p:nvPr>
-            <p:ph idx="1"/>
-          </p:nvPr>
-        </p:nvPicPr>
-        <p:blipFill>
-          <a:blip r:embed="rId3" cstate="print"/>
-          <a:stretch>
-            <a:fillRect/>
-          </a:stretch>
-        </p:blipFill>
-        <p:spPr>
-          <a:xfrm>
-            <a:off x="3270736" y="1367972"/>
-            <a:ext cx="3409863" cy="5075751"/>
-          </a:xfrm>
-          <a:prstGeom prst="rect">
-            <a:avLst/>
-          </a:prstGeom>
-        </p:spPr>
-      </p:pic>
-      <p:sp>
-        <p:nvSpPr>
-          <p:cNvPr id="5" name="TextBox 4"/>
-          <p:cNvSpPr txBox="1"/>
-          <p:nvPr/>
-        </p:nvSpPr>
-        <p:spPr>
-          <a:xfrm>
-            <a:off x="999565" y="5419165"/>
-            <a:ext cx="847164" cy="369332"/>
-          </a:xfrm>
-          <a:prstGeom prst="rect">
-            <a:avLst/>
-          </a:prstGeom>
-          <a:noFill/>
-        </p:spPr>
-        <p:txBody>
-          <a:bodyPr wrap="square" rtlCol="0">
-            <a:spAutoFit/>
-          </a:bodyPr>
-          <a:lstStyle/>
-          <a:p>
-            <a:r>
-              <a:rPr lang="en-GB" dirty="0" err="1"/>
-              <a:t>akber</a:t>
-            </a:r>
-            <a:endParaRPr lang="en-GB" dirty="0"/>
-          </a:p>
-        </p:txBody>
-      </p:sp>
-    </p:spTree>
-    <p:extLst>
-      <p:ext uri="{BB962C8B-B14F-4D97-AF65-F5344CB8AC3E}">
-        <p14:creationId xmlns:p14="http://schemas.microsoft.com/office/powerpoint/2010/main" val="3516292689"/>
-      </p:ext>
-    </p:extLst>
-  </p:cSld>
-  <p:clrMapOvr>
-    <a:masterClrMapping/>
-  </p:clrMapOvr>
-</p:sld>
-</file>
-
-<file path=ppt/slides/slide18.xml><?xml version="1.0" encoding="utf-8"?>
-<p:sld xmlns:a="http://schemas.openxmlformats.org/drawingml/2006/main" xmlns:r="http://schemas.openxmlformats.org/officeDocument/2006/relationships" xmlns:p="http://schemas.openxmlformats.org/presentationml/2006/main">
-  <p:cSld>
-    <p:spTree>
-      <p:nvGrpSpPr>
-        <p:cNvPr id="1" name=""/>
-        <p:cNvGrpSpPr/>
-        <p:nvPr/>
-      </p:nvGrpSpPr>
-      <p:grpSpPr>
-        <a:xfrm>
-          <a:off x="0" y="0"/>
-          <a:ext cx="0" cy="0"/>
-          <a:chOff x="0" y="0"/>
-          <a:chExt cx="0" cy="0"/>
-        </a:xfrm>
-      </p:grpSpPr>
-      <p:sp>
-        <p:nvSpPr>
-          <p:cNvPr id="2" name="Title 1"/>
-          <p:cNvSpPr>
-            <a:spLocks noGrp="1"/>
-          </p:cNvSpPr>
-          <p:nvPr>
-            <p:ph type="title"/>
-          </p:nvPr>
-        </p:nvSpPr>
-        <p:spPr/>
-        <p:txBody>
-          <a:bodyPr/>
-          <a:lstStyle/>
-          <a:p>
-            <a:r>
-              <a:rPr lang="en-GB" dirty="0"/>
-              <a:t>Draft Design</a:t>
-            </a:r>
-          </a:p>
-        </p:txBody>
-      </p:sp>
-      <p:pic>
-        <p:nvPicPr>
-          <p:cNvPr id="2050" name="Picture 2" descr="draft_design1.jpg"/>
-          <p:cNvPicPr>
-            <a:picLocks noChangeAspect="1" noChangeArrowheads="1"/>
-          </p:cNvPicPr>
-          <p:nvPr/>
-        </p:nvPicPr>
-        <p:blipFill>
-          <a:blip r:embed="rId3" cstate="print">
-            <a:extLst>
-              <a:ext uri="{28A0092B-C50C-407E-A947-70E740481C1C}">
-                <a14:useLocalDpi xmlns:a14="http://schemas.microsoft.com/office/drawing/2010/main" val="0"/>
-              </a:ext>
-            </a:extLst>
-          </a:blip>
-          <a:srcRect/>
-          <a:stretch>
-            <a:fillRect/>
-          </a:stretch>
-        </p:blipFill>
-        <p:spPr bwMode="auto">
-          <a:xfrm>
-            <a:off x="1867343" y="1228950"/>
-            <a:ext cx="6547498" cy="5231217"/>
-          </a:xfrm>
-          <a:prstGeom prst="rect">
-            <a:avLst/>
-          </a:prstGeom>
-          <a:noFill/>
-          <a:extLst>
-            <a:ext uri="{909E8E84-426E-40DD-AFC4-6F175D3DCCD1}">
-              <a14:hiddenFill xmlns:a14="http://schemas.microsoft.com/office/drawing/2010/main">
-                <a:solidFill>
-                  <a:srgbClr val="FFFFFF"/>
-                </a:solidFill>
-              </a14:hiddenFill>
-            </a:ext>
-          </a:extLst>
-        </p:spPr>
-      </p:pic>
-      <p:sp>
-        <p:nvSpPr>
-          <p:cNvPr id="4" name="TextBox 3"/>
-          <p:cNvSpPr txBox="1"/>
-          <p:nvPr/>
-        </p:nvSpPr>
-        <p:spPr>
-          <a:xfrm>
-            <a:off x="999565" y="5419165"/>
-            <a:ext cx="847164" cy="369332"/>
-          </a:xfrm>
-          <a:prstGeom prst="rect">
-            <a:avLst/>
-          </a:prstGeom>
-          <a:noFill/>
-        </p:spPr>
-        <p:txBody>
-          <a:bodyPr wrap="square" rtlCol="0">
-            <a:spAutoFit/>
-          </a:bodyPr>
-          <a:lstStyle/>
-          <a:p>
-            <a:r>
-              <a:rPr lang="en-GB" dirty="0" err="1"/>
-              <a:t>sabba</a:t>
-            </a:r>
-            <a:endParaRPr lang="en-GB" dirty="0"/>
-          </a:p>
-        </p:txBody>
-      </p:sp>
-    </p:spTree>
-    <p:extLst>
-      <p:ext uri="{BB962C8B-B14F-4D97-AF65-F5344CB8AC3E}">
-        <p14:creationId xmlns:p14="http://schemas.microsoft.com/office/powerpoint/2010/main" val="522966023"/>
-      </p:ext>
-    </p:extLst>
-  </p:cSld>
-  <p:clrMapOvr>
-    <a:masterClrMapping/>
-  </p:clrMapOvr>
-</p:sld>
-</file>
-
-<file path=ppt/slides/slide19.xml><?xml version="1.0" encoding="utf-8"?>
-<p:sld xmlns:a="http://schemas.openxmlformats.org/drawingml/2006/main" xmlns:r="http://schemas.openxmlformats.org/officeDocument/2006/relationships" xmlns:p="http://schemas.openxmlformats.org/presentationml/2006/main" showMasterSp="0">
-  <p:cSld>
-    <p:spTree>
-      <p:nvGrpSpPr>
-        <p:cNvPr id="1" name=""/>
-        <p:cNvGrpSpPr/>
-        <p:nvPr/>
-      </p:nvGrpSpPr>
-      <p:grpSpPr>
-        <a:xfrm>
-          <a:off x="0" y="0"/>
-          <a:ext cx="0" cy="0"/>
-          <a:chOff x="0" y="0"/>
-          <a:chExt cx="0" cy="0"/>
-        </a:xfrm>
-      </p:grpSpPr>
-      <p:pic>
-        <p:nvPicPr>
-          <p:cNvPr id="5" name="Picture 4"/>
-          <p:cNvPicPr>
-            <a:picLocks noChangeAspect="1"/>
-          </p:cNvPicPr>
-          <p:nvPr/>
-        </p:nvPicPr>
-        <p:blipFill rotWithShape="1">
-          <a:blip r:embed="rId3" cstate="print"/>
-          <a:srcRect l="13846" t="6826" r="14859" b="8889"/>
-          <a:stretch/>
-        </p:blipFill>
-        <p:spPr>
-          <a:xfrm>
-            <a:off x="1166691" y="39197"/>
-            <a:ext cx="9546771" cy="6818803"/>
-          </a:xfrm>
-          <a:prstGeom prst="rect">
-            <a:avLst/>
-          </a:prstGeom>
-        </p:spPr>
-      </p:pic>
-      <p:sp>
-        <p:nvSpPr>
-          <p:cNvPr id="3" name="TextBox 2"/>
-          <p:cNvSpPr txBox="1"/>
-          <p:nvPr/>
-        </p:nvSpPr>
-        <p:spPr>
-          <a:xfrm>
-            <a:off x="319527" y="6163236"/>
-            <a:ext cx="847164" cy="369332"/>
-          </a:xfrm>
-          <a:prstGeom prst="rect">
-            <a:avLst/>
-          </a:prstGeom>
-          <a:noFill/>
-        </p:spPr>
-        <p:txBody>
-          <a:bodyPr wrap="square" rtlCol="0">
-            <a:spAutoFit/>
-          </a:bodyPr>
-          <a:lstStyle/>
-          <a:p>
-            <a:r>
-              <a:rPr lang="en-GB" dirty="0" err="1"/>
-              <a:t>sabba</a:t>
-            </a:r>
-            <a:endParaRPr lang="en-GB" dirty="0"/>
-          </a:p>
-        </p:txBody>
-      </p:sp>
-    </p:spTree>
-    <p:extLst>
-      <p:ext uri="{BB962C8B-B14F-4D97-AF65-F5344CB8AC3E}">
-        <p14:creationId xmlns:p14="http://schemas.microsoft.com/office/powerpoint/2010/main" val="1820709050"/>
-      </p:ext>
-    </p:extLst>
-  </p:cSld>
-  <p:clrMapOvr>
-    <a:masterClrMapping/>
-  </p:clrMapOvr>
-</p:sld>
-</file>
-
-<file path=ppt/slides/slide2.xml><?xml version="1.0" encoding="utf-8"?>
-<p:sld xmlns:a="http://schemas.openxmlformats.org/drawingml/2006/main" xmlns:r="http://schemas.openxmlformats.org/officeDocument/2006/relationships" xmlns:p="http://schemas.openxmlformats.org/presentationml/2006/main">
-  <p:cSld>
-    <p:spTree>
-      <p:nvGrpSpPr>
-        <p:cNvPr id="1" name=""/>
-        <p:cNvGrpSpPr/>
-        <p:nvPr/>
-      </p:nvGrpSpPr>
-      <p:grpSpPr>
-        <a:xfrm>
-          <a:off x="0" y="0"/>
-          <a:ext cx="0" cy="0"/>
-          <a:chOff x="0" y="0"/>
-          <a:chExt cx="0" cy="0"/>
-        </a:xfrm>
-      </p:grpSpPr>
-      <p:sp>
-        <p:nvSpPr>
-          <p:cNvPr id="2" name="Title 1"/>
-          <p:cNvSpPr>
-            <a:spLocks noGrp="1"/>
-          </p:cNvSpPr>
-          <p:nvPr>
-            <p:ph type="title"/>
-          </p:nvPr>
-        </p:nvSpPr>
-        <p:spPr/>
-        <p:txBody>
-          <a:bodyPr/>
-          <a:lstStyle/>
-          <a:p>
-            <a:r>
-              <a:rPr lang="en-GB" dirty="0"/>
-              <a:t>What we chose</a:t>
-            </a:r>
-          </a:p>
-        </p:txBody>
-      </p:sp>
-      <p:sp>
-        <p:nvSpPr>
-          <p:cNvPr id="3" name="Content Placeholder 2"/>
-          <p:cNvSpPr>
-            <a:spLocks noGrp="1"/>
-          </p:cNvSpPr>
-          <p:nvPr>
-            <p:ph idx="1"/>
-          </p:nvPr>
-        </p:nvSpPr>
-        <p:spPr/>
-        <p:txBody>
-          <a:bodyPr/>
-          <a:lstStyle/>
-          <a:p>
-            <a:r>
-              <a:rPr lang="en-GB" dirty="0"/>
-              <a:t>We chose the provided case study for the team project which was to create a software for an on-line supermarket.</a:t>
-            </a:r>
-          </a:p>
-          <a:p>
-            <a:r>
-              <a:rPr lang="en-GB" dirty="0"/>
-              <a:t>The requirement of the case study is to produce a software that meets the four cores, which include loyalty scheme, payment, marketing and supplier interface.</a:t>
-            </a:r>
-          </a:p>
-          <a:p>
-            <a:r>
-              <a:rPr lang="en-GB" dirty="0"/>
-              <a:t>The group is made up five so we produced an additional core which is analytics, </a:t>
-            </a:r>
-            <a:r>
-              <a:rPr lang="en-GB" dirty="0">
-                <a:solidFill>
-                  <a:schemeClr val="tx1"/>
-                </a:solidFill>
-              </a:rPr>
-              <a:t>which is simply an analysis of the data changes being occurred for the business.</a:t>
-            </a:r>
-          </a:p>
-          <a:p>
-            <a:endParaRPr lang="en-GB" dirty="0">
-              <a:solidFill>
-                <a:schemeClr val="tx1"/>
-              </a:solidFill>
-            </a:endParaRPr>
-          </a:p>
-          <a:p>
-            <a:endParaRPr lang="en-GB" dirty="0">
-              <a:solidFill>
-                <a:schemeClr val="tx1"/>
-              </a:solidFill>
-            </a:endParaRPr>
-          </a:p>
-          <a:p>
-            <a:pPr marL="0" indent="0">
-              <a:buNone/>
-            </a:pPr>
-            <a:r>
-              <a:rPr lang="en-GB" dirty="0">
-                <a:solidFill>
-                  <a:schemeClr val="tx1"/>
-                </a:solidFill>
-              </a:rPr>
-              <a:t>Abdala</a:t>
-            </a:r>
-          </a:p>
-        </p:txBody>
-      </p:sp>
-    </p:spTree>
-    <p:extLst>
-      <p:ext uri="{BB962C8B-B14F-4D97-AF65-F5344CB8AC3E}">
-        <p14:creationId xmlns:p14="http://schemas.microsoft.com/office/powerpoint/2010/main" val="1898146874"/>
-      </p:ext>
-    </p:extLst>
-  </p:cSld>
-  <p:clrMapOvr>
-    <a:masterClrMapping/>
-  </p:clrMapOvr>
-</p:sld>
-</file>
-
-<file path=ppt/slides/slide20.xml><?xml version="1.0" encoding="utf-8"?>
-<p:sld xmlns:a="http://schemas.openxmlformats.org/drawingml/2006/main" xmlns:r="http://schemas.openxmlformats.org/officeDocument/2006/relationships" xmlns:p="http://schemas.openxmlformats.org/presentationml/2006/main">
-  <p:cSld>
-    <p:spTree>
-      <p:nvGrpSpPr>
-        <p:cNvPr id="1" name=""/>
-        <p:cNvGrpSpPr/>
-        <p:nvPr/>
-      </p:nvGrpSpPr>
-      <p:grpSpPr>
-        <a:xfrm>
-          <a:off x="0" y="0"/>
-          <a:ext cx="0" cy="0"/>
-          <a:chOff x="0" y="0"/>
-          <a:chExt cx="0" cy="0"/>
-        </a:xfrm>
-      </p:grpSpPr>
-      <p:sp>
-        <p:nvSpPr>
-          <p:cNvPr id="2" name="Title 1"/>
-          <p:cNvSpPr>
-            <a:spLocks noGrp="1"/>
-          </p:cNvSpPr>
-          <p:nvPr>
-            <p:ph type="title"/>
-          </p:nvPr>
-        </p:nvSpPr>
-        <p:spPr/>
-        <p:txBody>
-          <a:bodyPr/>
-          <a:lstStyle/>
-          <a:p>
-            <a:pPr algn="ctr"/>
-            <a:r>
-              <a:rPr lang="en-GB" dirty="0"/>
-              <a:t>Thank you for your time</a:t>
-            </a:r>
-            <a:endParaRPr lang="en-US" dirty="0"/>
-          </a:p>
-        </p:txBody>
-      </p:sp>
-      <p:sp>
-        <p:nvSpPr>
-          <p:cNvPr id="3" name="Content Placeholder 2"/>
-          <p:cNvSpPr>
-            <a:spLocks noGrp="1"/>
-          </p:cNvSpPr>
-          <p:nvPr>
-            <p:ph idx="1"/>
-          </p:nvPr>
-        </p:nvSpPr>
-        <p:spPr>
-          <a:xfrm>
-            <a:off x="928346" y="2178519"/>
-            <a:ext cx="8596668" cy="3880773"/>
-          </a:xfrm>
-        </p:spPr>
-        <p:txBody>
-          <a:bodyPr>
-            <a:normAutofit/>
-          </a:bodyPr>
-          <a:lstStyle/>
-          <a:p>
-            <a:r>
-              <a:rPr lang="en-GB" sz="2800" dirty="0"/>
-              <a:t>Any Questions ask </a:t>
-            </a:r>
-            <a:r>
-              <a:rPr lang="en-GB" sz="2800"/>
-              <a:t>abdala?</a:t>
-            </a:r>
-            <a:endParaRPr lang="en-US" sz="2800" dirty="0"/>
-          </a:p>
-        </p:txBody>
-      </p:sp>
-      <p:sp>
-        <p:nvSpPr>
-          <p:cNvPr id="4" name="TextBox 3"/>
-          <p:cNvSpPr txBox="1"/>
-          <p:nvPr/>
-        </p:nvSpPr>
-        <p:spPr>
-          <a:xfrm>
-            <a:off x="999565" y="5419165"/>
-            <a:ext cx="1075764" cy="369332"/>
-          </a:xfrm>
-          <a:prstGeom prst="rect">
-            <a:avLst/>
-          </a:prstGeom>
-          <a:noFill/>
-        </p:spPr>
-        <p:txBody>
-          <a:bodyPr wrap="square" rtlCol="0">
-            <a:spAutoFit/>
-          </a:bodyPr>
-          <a:lstStyle/>
-          <a:p>
-            <a:r>
-              <a:rPr lang="en-GB" dirty="0" err="1"/>
-              <a:t>abdala</a:t>
-            </a:r>
-            <a:endParaRPr lang="en-GB" dirty="0"/>
-          </a:p>
-        </p:txBody>
-      </p:sp>
-    </p:spTree>
-    <p:extLst>
-      <p:ext uri="{BB962C8B-B14F-4D97-AF65-F5344CB8AC3E}">
-        <p14:creationId xmlns:p14="http://schemas.microsoft.com/office/powerpoint/2010/main" val="3976143562"/>
-      </p:ext>
-    </p:extLst>
-  </p:cSld>
-  <p:clrMapOvr>
-    <a:masterClrMapping/>
-  </p:clrMapOvr>
-</p:sld>
-</file>
-
-<file path=ppt/slides/slide3.xml><?xml version="1.0" encoding="utf-8"?>
-<p:sld xmlns:a="http://schemas.openxmlformats.org/drawingml/2006/main" xmlns:r="http://schemas.openxmlformats.org/officeDocument/2006/relationships" xmlns:p="http://schemas.openxmlformats.org/presentationml/2006/main">
-  <p:cSld>
-    <p:spTree>
-      <p:nvGrpSpPr>
-        <p:cNvPr id="1" name=""/>
-        <p:cNvGrpSpPr/>
-        <p:nvPr/>
-      </p:nvGrpSpPr>
-      <p:grpSpPr>
-        <a:xfrm>
-          <a:off x="0" y="0"/>
-          <a:ext cx="0" cy="0"/>
-          <a:chOff x="0" y="0"/>
-          <a:chExt cx="0" cy="0"/>
-        </a:xfrm>
-      </p:grpSpPr>
-      <p:sp>
-        <p:nvSpPr>
-          <p:cNvPr id="2" name="Title 1"/>
-          <p:cNvSpPr>
-            <a:spLocks noGrp="1"/>
-          </p:cNvSpPr>
-          <p:nvPr>
-            <p:ph type="title"/>
-          </p:nvPr>
-        </p:nvSpPr>
-        <p:spPr/>
-        <p:txBody>
-          <a:bodyPr/>
-          <a:lstStyle/>
-          <a:p>
-            <a:r>
-              <a:rPr lang="en-GB" dirty="0">
-                <a:latin typeface="Adobe Devanagari" panose="02040503050201020203" pitchFamily="18" charset="0"/>
-                <a:cs typeface="Adobe Devanagari" panose="02040503050201020203" pitchFamily="18" charset="0"/>
-              </a:rPr>
-              <a:t>Meet The Team</a:t>
-            </a:r>
-          </a:p>
-        </p:txBody>
-      </p:sp>
-      <p:sp>
-        <p:nvSpPr>
-          <p:cNvPr id="3" name="Content Placeholder 2"/>
-          <p:cNvSpPr>
-            <a:spLocks noGrp="1"/>
-          </p:cNvSpPr>
-          <p:nvPr>
-            <p:ph idx="1"/>
-          </p:nvPr>
-        </p:nvSpPr>
-        <p:spPr/>
-        <p:txBody>
-          <a:bodyPr/>
-          <a:lstStyle/>
-          <a:p>
-            <a:r>
-              <a:rPr lang="en-GB" dirty="0">
-                <a:latin typeface="Adobe Devanagari" panose="02040503050201020203" pitchFamily="18" charset="0"/>
-                <a:cs typeface="Adobe Devanagari" panose="02040503050201020203" pitchFamily="18" charset="0"/>
-              </a:rPr>
-              <a:t>Akber – Project Manager / Supplier</a:t>
-            </a:r>
-          </a:p>
-          <a:p>
-            <a:r>
-              <a:rPr lang="en-GB" dirty="0" err="1">
-                <a:latin typeface="Adobe Devanagari" panose="02040503050201020203" pitchFamily="18" charset="0"/>
-                <a:cs typeface="Adobe Devanagari" panose="02040503050201020203" pitchFamily="18" charset="0"/>
-              </a:rPr>
-              <a:t>Sabaa</a:t>
-            </a:r>
-            <a:r>
-              <a:rPr lang="en-GB" dirty="0">
-                <a:latin typeface="Adobe Devanagari" panose="02040503050201020203" pitchFamily="18" charset="0"/>
-                <a:cs typeface="Adobe Devanagari" panose="02040503050201020203" pitchFamily="18" charset="0"/>
-              </a:rPr>
-              <a:t> – Head Core Developer/ Analytics</a:t>
-            </a:r>
-          </a:p>
-          <a:p>
-            <a:r>
-              <a:rPr lang="en-GB" dirty="0" err="1">
-                <a:latin typeface="Adobe Devanagari" panose="02040503050201020203" pitchFamily="18" charset="0"/>
-                <a:cs typeface="Adobe Devanagari" panose="02040503050201020203" pitchFamily="18" charset="0"/>
-              </a:rPr>
-              <a:t>Abdala</a:t>
-            </a:r>
-            <a:r>
-              <a:rPr lang="en-GB" dirty="0">
-                <a:latin typeface="Adobe Devanagari" panose="02040503050201020203" pitchFamily="18" charset="0"/>
-                <a:cs typeface="Adobe Devanagari" panose="02040503050201020203" pitchFamily="18" charset="0"/>
-              </a:rPr>
-              <a:t> - Marketing </a:t>
-            </a:r>
-          </a:p>
-          <a:p>
-            <a:r>
-              <a:rPr lang="en-GB" dirty="0">
-                <a:latin typeface="Adobe Devanagari" panose="02040503050201020203" pitchFamily="18" charset="0"/>
-                <a:cs typeface="Adobe Devanagari" panose="02040503050201020203" pitchFamily="18" charset="0"/>
-              </a:rPr>
-              <a:t>David – Payment </a:t>
-            </a:r>
-          </a:p>
-          <a:p>
-            <a:r>
-              <a:rPr lang="en-GB" dirty="0" err="1">
-                <a:latin typeface="Adobe Devanagari" panose="02040503050201020203" pitchFamily="18" charset="0"/>
-                <a:cs typeface="Adobe Devanagari" panose="02040503050201020203" pitchFamily="18" charset="0"/>
-              </a:rPr>
-              <a:t>Subodh</a:t>
-            </a:r>
-            <a:r>
-              <a:rPr lang="en-GB" dirty="0">
-                <a:latin typeface="Adobe Devanagari" panose="02040503050201020203" pitchFamily="18" charset="0"/>
-                <a:cs typeface="Adobe Devanagari" panose="02040503050201020203" pitchFamily="18" charset="0"/>
-              </a:rPr>
-              <a:t> – Loyalty Scheme</a:t>
-            </a:r>
-          </a:p>
-          <a:p>
-            <a:endParaRPr lang="en-GB" dirty="0"/>
-          </a:p>
-        </p:txBody>
-      </p:sp>
-    </p:spTree>
-    <p:extLst>
-      <p:ext uri="{BB962C8B-B14F-4D97-AF65-F5344CB8AC3E}">
-        <p14:creationId xmlns:p14="http://schemas.microsoft.com/office/powerpoint/2010/main" val="3379870592"/>
-      </p:ext>
-    </p:extLst>
-  </p:cSld>
-  <p:clrMapOvr>
-    <a:masterClrMapping/>
-  </p:clrMapOvr>
-</p:sld>
-</file>
-
-<file path=ppt/slides/slide4.xml><?xml version="1.0" encoding="utf-8"?>
-<p:sld xmlns:a="http://schemas.openxmlformats.org/drawingml/2006/main" xmlns:r="http://schemas.openxmlformats.org/officeDocument/2006/relationships" xmlns:p="http://schemas.openxmlformats.org/presentationml/2006/main">
-  <p:cSld>
-    <p:spTree>
-      <p:nvGrpSpPr>
-        <p:cNvPr id="1" name=""/>
-        <p:cNvGrpSpPr/>
-        <p:nvPr/>
-      </p:nvGrpSpPr>
-      <p:grpSpPr>
-        <a:xfrm>
-          <a:off x="0" y="0"/>
-          <a:ext cx="0" cy="0"/>
-          <a:chOff x="0" y="0"/>
-          <a:chExt cx="0" cy="0"/>
-        </a:xfrm>
-      </p:grpSpPr>
-      <p:sp>
-        <p:nvSpPr>
-          <p:cNvPr id="2" name="Title 1"/>
-          <p:cNvSpPr>
-            <a:spLocks noGrp="1"/>
-          </p:cNvSpPr>
-          <p:nvPr>
-            <p:ph type="title"/>
-          </p:nvPr>
-        </p:nvSpPr>
-        <p:spPr/>
-        <p:txBody>
-          <a:bodyPr/>
-          <a:lstStyle/>
-          <a:p>
-            <a:r>
-              <a:rPr lang="en-GB" dirty="0"/>
-              <a:t>Planning</a:t>
-            </a:r>
-          </a:p>
-        </p:txBody>
-      </p:sp>
-      <p:sp>
-        <p:nvSpPr>
-          <p:cNvPr id="5" name="Text Placeholder 4"/>
-          <p:cNvSpPr>
-            <a:spLocks noGrp="1"/>
-          </p:cNvSpPr>
-          <p:nvPr>
-            <p:ph type="body" sz="half" idx="2"/>
-          </p:nvPr>
-        </p:nvSpPr>
-        <p:spPr/>
-        <p:txBody>
-          <a:bodyPr>
-            <a:normAutofit fontScale="92500"/>
-          </a:bodyPr>
-          <a:lstStyle/>
-          <a:p>
-            <a:pPr marL="285750" indent="-285750">
-              <a:buFont typeface="Arial" panose="020B0604020202020204" pitchFamily="34" charset="0"/>
-              <a:buChar char="•"/>
-            </a:pPr>
-            <a:r>
-              <a:rPr lang="en-GB" dirty="0"/>
-              <a:t>The course of action we took towards the planning of the  project was brain storming.</a:t>
-            </a:r>
-          </a:p>
-          <a:p>
-            <a:pPr marL="285750" indent="-285750">
-              <a:buFont typeface="Arial" panose="020B0604020202020204" pitchFamily="34" charset="0"/>
-              <a:buChar char="•"/>
-            </a:pPr>
-            <a:r>
-              <a:rPr lang="en-GB" dirty="0"/>
-              <a:t>This was basic but effective as it encouraged group members to provide their ideas and perspective on the project.</a:t>
-            </a:r>
-          </a:p>
-          <a:p>
-            <a:pPr marL="285750" indent="-285750">
-              <a:buFont typeface="Arial" panose="020B0604020202020204" pitchFamily="34" charset="0"/>
-              <a:buChar char="•"/>
-            </a:pPr>
-            <a:endParaRPr lang="en-GB" dirty="0"/>
-          </a:p>
-          <a:p>
-            <a:pPr marL="285750" indent="-285750">
-              <a:buFont typeface="Arial" panose="020B0604020202020204" pitchFamily="34" charset="0"/>
-              <a:buChar char="•"/>
-            </a:pPr>
-            <a:endParaRPr lang="en-GB" dirty="0"/>
-          </a:p>
-          <a:p>
-            <a:pPr marL="285750" indent="-285750">
-              <a:buFont typeface="Arial" panose="020B0604020202020204" pitchFamily="34" charset="0"/>
-              <a:buChar char="•"/>
-            </a:pPr>
-            <a:endParaRPr lang="en-GB" dirty="0"/>
-          </a:p>
-          <a:p>
-            <a:pPr marL="285750" indent="-285750">
-              <a:buFont typeface="Arial" panose="020B0604020202020204" pitchFamily="34" charset="0"/>
-              <a:buChar char="•"/>
-            </a:pPr>
-            <a:r>
-              <a:rPr lang="en-GB" dirty="0"/>
-              <a:t>SABBA</a:t>
-            </a:r>
-          </a:p>
-          <a:p>
-            <a:pPr marL="285750" indent="-285750">
-              <a:buFont typeface="Arial" panose="020B0604020202020204" pitchFamily="34" charset="0"/>
-              <a:buChar char="•"/>
-            </a:pPr>
-            <a:endParaRPr lang="en-GB" dirty="0"/>
-          </a:p>
-        </p:txBody>
-      </p:sp>
-      <p:pic>
-        <p:nvPicPr>
-          <p:cNvPr id="3074" name="Picture 2" descr="Spider Diagram.jpg"/>
-          <p:cNvPicPr>
-            <a:picLocks noChangeAspect="1" noChangeArrowheads="1"/>
-          </p:cNvPicPr>
-          <p:nvPr/>
-        </p:nvPicPr>
-        <p:blipFill>
-          <a:blip r:embed="rId3" cstate="print">
-            <a:extLst>
-              <a:ext uri="{28A0092B-C50C-407E-A947-70E740481C1C}">
-                <a14:useLocalDpi xmlns:a14="http://schemas.microsoft.com/office/drawing/2010/main" val="0"/>
-              </a:ext>
-            </a:extLst>
-          </a:blip>
-          <a:srcRect/>
-          <a:stretch>
-            <a:fillRect/>
-          </a:stretch>
-        </p:blipFill>
-        <p:spPr bwMode="auto">
-          <a:xfrm>
-            <a:off x="5324008" y="1099518"/>
-            <a:ext cx="6529636" cy="5280038"/>
-          </a:xfrm>
-          <a:prstGeom prst="rect">
-            <a:avLst/>
-          </a:prstGeom>
-          <a:noFill/>
-          <a:extLst>
-            <a:ext uri="{909E8E84-426E-40DD-AFC4-6F175D3DCCD1}">
-              <a14:hiddenFill xmlns:a14="http://schemas.microsoft.com/office/drawing/2010/main">
-                <a:solidFill>
-                  <a:srgbClr val="FFFFFF"/>
-                </a:solidFill>
-              </a14:hiddenFill>
-            </a:ext>
-          </a:extLst>
-        </p:spPr>
-      </p:pic>
-    </p:spTree>
-    <p:extLst>
-      <p:ext uri="{BB962C8B-B14F-4D97-AF65-F5344CB8AC3E}">
-        <p14:creationId xmlns:p14="http://schemas.microsoft.com/office/powerpoint/2010/main" val="3549050706"/>
-      </p:ext>
-    </p:extLst>
-  </p:cSld>
-  <p:clrMapOvr>
-    <a:masterClrMapping/>
-  </p:clrMapOvr>
-</p:sld>
-</file>
-
-<file path=ppt/slides/slide5.xml><?xml version="1.0" encoding="utf-8"?>
-<p:sld xmlns:a="http://schemas.openxmlformats.org/drawingml/2006/main" xmlns:r="http://schemas.openxmlformats.org/officeDocument/2006/relationships" xmlns:p="http://schemas.openxmlformats.org/presentationml/2006/main">
-  <p:cSld>
-    <p:spTree>
-      <p:nvGrpSpPr>
-        <p:cNvPr id="1" name=""/>
-        <p:cNvGrpSpPr/>
-        <p:nvPr/>
-      </p:nvGrpSpPr>
-      <p:grpSpPr>
-        <a:xfrm>
-          <a:off x="0" y="0"/>
-          <a:ext cx="0" cy="0"/>
-          <a:chOff x="0" y="0"/>
-          <a:chExt cx="0" cy="0"/>
-        </a:xfrm>
-      </p:grpSpPr>
-      <p:sp>
-        <p:nvSpPr>
-          <p:cNvPr id="4" name="Title 3"/>
-          <p:cNvSpPr>
-            <a:spLocks noGrp="1"/>
-          </p:cNvSpPr>
-          <p:nvPr>
-            <p:ph type="title"/>
-          </p:nvPr>
-        </p:nvSpPr>
-        <p:spPr>
-          <a:xfrm>
-            <a:off x="574698" y="181428"/>
-            <a:ext cx="8596668" cy="1320800"/>
-          </a:xfrm>
-        </p:spPr>
-        <p:txBody>
-          <a:bodyPr/>
-          <a:lstStyle/>
-          <a:p>
-            <a:r>
-              <a:rPr lang="en-GB" dirty="0">
-                <a:latin typeface="Adobe Devanagari"/>
-              </a:rPr>
-              <a:t>WBS (Work Breakdown Structure)</a:t>
-            </a:r>
-          </a:p>
-        </p:txBody>
-      </p:sp>
-      <p:pic>
-        <p:nvPicPr>
-          <p:cNvPr id="6" name="Picture 5"/>
-          <p:cNvPicPr/>
-          <p:nvPr/>
-        </p:nvPicPr>
-        <p:blipFill rotWithShape="1">
-          <a:blip r:embed="rId3" cstate="print">
-            <a:extLst>
-              <a:ext uri="{28A0092B-C50C-407E-A947-70E740481C1C}">
-                <a14:useLocalDpi xmlns:a14="http://schemas.microsoft.com/office/drawing/2010/main" val="0"/>
-              </a:ext>
-            </a:extLst>
-          </a:blip>
-          <a:srcRect l="28084" t="18022" r="29205" b="16683"/>
-          <a:stretch/>
-        </p:blipFill>
-        <p:spPr bwMode="auto">
-          <a:xfrm>
-            <a:off x="2371296" y="1057013"/>
-            <a:ext cx="7116653" cy="5580289"/>
-          </a:xfrm>
-          <a:prstGeom prst="rect">
-            <a:avLst/>
-          </a:prstGeom>
-          <a:solidFill>
-            <a:srgbClr val="FFFFFF">
-              <a:shade val="85000"/>
-            </a:srgbClr>
-          </a:solidFill>
-          <a:ln w="190500" cap="rnd">
-            <a:solidFill>
-              <a:srgbClr val="FFFFFF"/>
-            </a:solidFill>
-          </a:ln>
-          <a:effectLst>
-            <a:outerShdw blurRad="50000" algn="tl" rotWithShape="0">
-              <a:srgbClr val="000000">
-                <a:alpha val="41000"/>
-              </a:srgbClr>
-            </a:outerShdw>
-          </a:effectLst>
-          <a:scene3d>
-            <a:camera prst="orthographicFront"/>
-            <a:lightRig rig="twoPt" dir="t">
-              <a:rot lat="0" lon="0" rev="7800000"/>
-            </a:lightRig>
-          </a:scene3d>
-          <a:sp3d contourW="6350">
-            <a:bevelT w="50800" h="16510"/>
-            <a:contourClr>
-              <a:srgbClr val="C0C0C0"/>
-            </a:contourClr>
-          </a:sp3d>
-          <a:extLst>
-            <a:ext uri="{53640926-AAD7-44D8-BBD7-CCE9431645EC}">
-              <a14:shadowObscured xmlns:a14="http://schemas.microsoft.com/office/drawing/2010/main"/>
-            </a:ext>
-          </a:extLst>
-        </p:spPr>
-      </p:pic>
-      <p:sp>
-        <p:nvSpPr>
-          <p:cNvPr id="2" name="TextBox 1"/>
-          <p:cNvSpPr txBox="1"/>
-          <p:nvPr/>
-        </p:nvSpPr>
-        <p:spPr>
-          <a:xfrm>
-            <a:off x="999565" y="5419165"/>
-            <a:ext cx="847164" cy="369332"/>
-          </a:xfrm>
-          <a:prstGeom prst="rect">
-            <a:avLst/>
-          </a:prstGeom>
-          <a:noFill/>
-        </p:spPr>
-        <p:txBody>
-          <a:bodyPr wrap="square" rtlCol="0">
-            <a:spAutoFit/>
-          </a:bodyPr>
-          <a:lstStyle/>
-          <a:p>
-            <a:r>
-              <a:rPr lang="en-GB" dirty="0" err="1"/>
-              <a:t>akber</a:t>
-            </a:r>
-            <a:endParaRPr lang="en-GB" dirty="0"/>
-          </a:p>
-        </p:txBody>
-      </p:sp>
-    </p:spTree>
-    <p:extLst>
-      <p:ext uri="{BB962C8B-B14F-4D97-AF65-F5344CB8AC3E}">
-        <p14:creationId xmlns:p14="http://schemas.microsoft.com/office/powerpoint/2010/main" val="4097450086"/>
-      </p:ext>
-    </p:extLst>
-  </p:cSld>
-  <p:clrMapOvr>
-    <a:masterClrMapping/>
-  </p:clrMapOvr>
-</p:sld>
-</file>
-
-<file path=ppt/slides/slide6.xml><?xml version="1.0" encoding="utf-8"?>
-<p:sld xmlns:a="http://schemas.openxmlformats.org/drawingml/2006/main" xmlns:r="http://schemas.openxmlformats.org/officeDocument/2006/relationships" xmlns:p="http://schemas.openxmlformats.org/presentationml/2006/main">
-  <p:cSld>
-    <p:spTree>
-      <p:nvGrpSpPr>
-        <p:cNvPr id="1" name=""/>
-        <p:cNvGrpSpPr/>
-        <p:nvPr/>
-      </p:nvGrpSpPr>
-      <p:grpSpPr>
-        <a:xfrm>
-          <a:off x="0" y="0"/>
-          <a:ext cx="0" cy="0"/>
-          <a:chOff x="0" y="0"/>
-          <a:chExt cx="0" cy="0"/>
-        </a:xfrm>
-      </p:grpSpPr>
-      <p:sp>
-        <p:nvSpPr>
-          <p:cNvPr id="2" name="Title 1"/>
-          <p:cNvSpPr>
-            <a:spLocks noGrp="1"/>
-          </p:cNvSpPr>
-          <p:nvPr>
-            <p:ph type="title"/>
-          </p:nvPr>
-        </p:nvSpPr>
-        <p:spPr/>
-        <p:txBody>
-          <a:bodyPr/>
-          <a:lstStyle/>
-          <a:p>
-            <a:r>
-              <a:rPr lang="en-GB" dirty="0"/>
-              <a:t>Head Core Developer / Analytics</a:t>
-            </a:r>
-            <a:br>
-              <a:rPr lang="en-GB" dirty="0"/>
-            </a:br>
-            <a:endParaRPr lang="en-GB" dirty="0"/>
-          </a:p>
-        </p:txBody>
-      </p:sp>
-      <p:sp>
-        <p:nvSpPr>
-          <p:cNvPr id="3" name="Content Placeholder 2"/>
-          <p:cNvSpPr>
-            <a:spLocks noGrp="1"/>
-          </p:cNvSpPr>
-          <p:nvPr>
-            <p:ph idx="1"/>
-          </p:nvPr>
-        </p:nvSpPr>
-        <p:spPr/>
-        <p:txBody>
-          <a:bodyPr>
-            <a:normAutofit/>
-          </a:bodyPr>
-          <a:lstStyle/>
-          <a:p>
-            <a:r>
-              <a:rPr lang="en-GB" dirty="0"/>
-              <a:t>Head Core Developer</a:t>
-            </a:r>
-          </a:p>
-          <a:p>
-            <a:pPr lvl="1"/>
-            <a:r>
-              <a:rPr lang="en-GB" dirty="0"/>
-              <a:t>Website Structure</a:t>
-            </a:r>
-          </a:p>
-          <a:p>
-            <a:pPr lvl="1"/>
-            <a:r>
-              <a:rPr lang="en-GB" dirty="0"/>
-              <a:t>Database Structure</a:t>
-            </a:r>
-          </a:p>
-          <a:p>
-            <a:pPr lvl="1"/>
-            <a:r>
-              <a:rPr lang="en-US" dirty="0"/>
-              <a:t>Quality Assurance</a:t>
-            </a:r>
-          </a:p>
-          <a:p>
-            <a:r>
-              <a:rPr lang="en-GB" dirty="0"/>
-              <a:t>The field of data analysis. Analytics often involves studying past historical data to research potential trends, to analyse the effects of certain decisions or events, or to evaluate the performance of a given tool or scenario. </a:t>
-            </a:r>
-          </a:p>
-          <a:p>
-            <a:r>
-              <a:rPr lang="en-GB" dirty="0"/>
-              <a:t>The goal of analytics is to improve the business by gaining knowledge which can be used to make improvements or changes.</a:t>
-            </a:r>
-          </a:p>
-          <a:p>
-            <a:pPr marL="0" indent="0">
-              <a:buNone/>
-            </a:pPr>
-            <a:r>
-              <a:rPr lang="en-GB" dirty="0"/>
-              <a:t/>
-            </a:r>
-            <a:br>
-              <a:rPr lang="en-GB" dirty="0"/>
-            </a:br>
-            <a:r>
-              <a:rPr lang="en-GB" dirty="0" err="1"/>
-              <a:t>sabba</a:t>
-            </a:r>
-            <a:endParaRPr lang="en-GB" dirty="0"/>
-          </a:p>
-        </p:txBody>
-      </p:sp>
-    </p:spTree>
-    <p:extLst>
-      <p:ext uri="{BB962C8B-B14F-4D97-AF65-F5344CB8AC3E}">
-        <p14:creationId xmlns:p14="http://schemas.microsoft.com/office/powerpoint/2010/main" val="3848158416"/>
-      </p:ext>
-    </p:extLst>
-  </p:cSld>
-  <p:clrMapOvr>
-    <a:masterClrMapping/>
-  </p:clrMapOvr>
-</p:sld>
-</file>
-
-<file path=ppt/slides/slide7.xml><?xml version="1.0" encoding="utf-8"?>
-<p:sld xmlns:a="http://schemas.openxmlformats.org/drawingml/2006/main" xmlns:r="http://schemas.openxmlformats.org/officeDocument/2006/relationships" xmlns:p="http://schemas.openxmlformats.org/presentationml/2006/main">
-  <p:cSld>
-    <p:spTree>
-      <p:nvGrpSpPr>
-        <p:cNvPr id="1" name=""/>
-        <p:cNvGrpSpPr/>
-        <p:nvPr/>
-      </p:nvGrpSpPr>
-      <p:grpSpPr>
-        <a:xfrm>
-          <a:off x="0" y="0"/>
-          <a:ext cx="0" cy="0"/>
-          <a:chOff x="0" y="0"/>
-          <a:chExt cx="0" cy="0"/>
-        </a:xfrm>
-      </p:grpSpPr>
-      <p:pic>
-        <p:nvPicPr>
-          <p:cNvPr id="1026" name="Picture 2" descr="Website Structure.jpg"/>
-          <p:cNvPicPr>
-            <a:picLocks noGrp="1" noChangeAspect="1" noChangeArrowheads="1"/>
-          </p:cNvPicPr>
-          <p:nvPr>
-            <p:ph idx="1"/>
-          </p:nvPr>
-        </p:nvPicPr>
-        <p:blipFill rotWithShape="1">
-          <a:blip r:embed="rId3" cstate="print">
-            <a:extLst>
-              <a:ext uri="{28A0092B-C50C-407E-A947-70E740481C1C}">
-                <a14:useLocalDpi xmlns:a14="http://schemas.microsoft.com/office/drawing/2010/main" val="0"/>
-              </a:ext>
-            </a:extLst>
-          </a:blip>
-          <a:srcRect r="1499"/>
-          <a:stretch/>
-        </p:blipFill>
-        <p:spPr bwMode="auto">
-          <a:xfrm>
-            <a:off x="552963" y="261257"/>
-            <a:ext cx="8435913" cy="6248855"/>
-          </a:xfrm>
-          <a:prstGeom prst="rect">
-            <a:avLst/>
-          </a:prstGeom>
-          <a:noFill/>
-          <a:extLst>
-            <a:ext uri="{909E8E84-426E-40DD-AFC4-6F175D3DCCD1}">
-              <a14:hiddenFill xmlns:a14="http://schemas.microsoft.com/office/drawing/2010/main">
-                <a:solidFill>
-                  <a:srgbClr val="FFFFFF"/>
-                </a:solidFill>
-              </a14:hiddenFill>
-            </a:ext>
-          </a:extLst>
-        </p:spPr>
-      </p:pic>
-    </p:spTree>
-    <p:extLst>
-      <p:ext uri="{BB962C8B-B14F-4D97-AF65-F5344CB8AC3E}">
-        <p14:creationId xmlns:p14="http://schemas.microsoft.com/office/powerpoint/2010/main" val="3822388409"/>
-      </p:ext>
-    </p:extLst>
-  </p:cSld>
-  <p:clrMapOvr>
-    <a:masterClrMapping/>
-  </p:clrMapOvr>
-</p:sld>
-</file>
-
-<file path=ppt/slides/slide8.xml><?xml version="1.0" encoding="utf-8"?>
-<p:sld xmlns:a="http://schemas.openxmlformats.org/drawingml/2006/main" xmlns:r="http://schemas.openxmlformats.org/officeDocument/2006/relationships" xmlns:p="http://schemas.openxmlformats.org/presentationml/2006/main">
-  <p:cSld>
-    <p:spTree>
-      <p:nvGrpSpPr>
-        <p:cNvPr id="1" name=""/>
-        <p:cNvGrpSpPr/>
-        <p:nvPr/>
-      </p:nvGrpSpPr>
-      <p:grpSpPr>
-        <a:xfrm>
-          <a:off x="0" y="0"/>
-          <a:ext cx="0" cy="0"/>
-          <a:chOff x="0" y="0"/>
-          <a:chExt cx="0" cy="0"/>
-        </a:xfrm>
-      </p:grpSpPr>
-      <p:sp>
-        <p:nvSpPr>
-          <p:cNvPr id="2" name="Title 1"/>
-          <p:cNvSpPr>
-            <a:spLocks noGrp="1"/>
-          </p:cNvSpPr>
-          <p:nvPr>
-            <p:ph type="title"/>
-          </p:nvPr>
-        </p:nvSpPr>
-        <p:spPr/>
-        <p:txBody>
-          <a:bodyPr/>
-          <a:lstStyle/>
-          <a:p>
-            <a:r>
-              <a:rPr lang="en-GB" dirty="0"/>
-              <a:t>Database</a:t>
-            </a:r>
-            <a:endParaRPr lang="en-US" dirty="0"/>
-          </a:p>
-        </p:txBody>
-      </p:sp>
-      <p:sp>
-        <p:nvSpPr>
-          <p:cNvPr id="3" name="Content Placeholder 2"/>
-          <p:cNvSpPr>
-            <a:spLocks noGrp="1"/>
-          </p:cNvSpPr>
-          <p:nvPr>
-            <p:ph idx="1"/>
-          </p:nvPr>
-        </p:nvSpPr>
-        <p:spPr/>
-        <p:txBody>
-          <a:bodyPr>
-            <a:normAutofit/>
-          </a:bodyPr>
-          <a:lstStyle/>
-          <a:p>
-            <a:r>
-              <a:rPr lang="en-GB" dirty="0"/>
-              <a:t>Table names:</a:t>
-            </a:r>
-          </a:p>
-          <a:p>
-            <a:pPr lvl="1"/>
-            <a:r>
-              <a:rPr lang="en-GB" dirty="0"/>
-              <a:t>Account</a:t>
-            </a:r>
-          </a:p>
-          <a:p>
-            <a:pPr lvl="1"/>
-            <a:r>
-              <a:rPr lang="en-GB" dirty="0"/>
-              <a:t>Cart</a:t>
-            </a:r>
-          </a:p>
-          <a:p>
-            <a:pPr lvl="1"/>
-            <a:r>
-              <a:rPr lang="en-GB" dirty="0"/>
-              <a:t>News</a:t>
-            </a:r>
-          </a:p>
-          <a:p>
-            <a:pPr lvl="1"/>
-            <a:r>
-              <a:rPr lang="en-GB" dirty="0"/>
-              <a:t>Products</a:t>
-            </a:r>
-          </a:p>
-          <a:p>
-            <a:pPr lvl="1"/>
-            <a:r>
-              <a:rPr lang="en-GB" dirty="0"/>
-              <a:t>Promotions</a:t>
-            </a:r>
-          </a:p>
-          <a:p>
-            <a:pPr lvl="1"/>
-            <a:r>
-              <a:rPr lang="en-GB" dirty="0"/>
-              <a:t>Purchase_order</a:t>
-            </a:r>
-          </a:p>
-          <a:p>
-            <a:pPr lvl="1"/>
-            <a:r>
-              <a:rPr lang="en-GB" dirty="0"/>
-              <a:t>Purchase_transactions</a:t>
-            </a:r>
-          </a:p>
-          <a:p>
-            <a:pPr lvl="1"/>
-            <a:r>
-              <a:rPr lang="en-GB" dirty="0"/>
-              <a:t>Stock</a:t>
-            </a:r>
-          </a:p>
-          <a:p>
-            <a:pPr lvl="1"/>
-            <a:r>
-              <a:rPr lang="en-GB" dirty="0"/>
-              <a:t>Supplier</a:t>
-            </a:r>
-          </a:p>
-          <a:p>
-            <a:endParaRPr lang="en-US" dirty="0"/>
-          </a:p>
-        </p:txBody>
-      </p:sp>
-      <p:sp>
-        <p:nvSpPr>
-          <p:cNvPr id="4" name="TextBox 3"/>
-          <p:cNvSpPr txBox="1"/>
-          <p:nvPr/>
-        </p:nvSpPr>
-        <p:spPr>
-          <a:xfrm>
-            <a:off x="2572871" y="5948083"/>
-            <a:ext cx="847164" cy="369332"/>
-          </a:xfrm>
-          <a:prstGeom prst="rect">
-            <a:avLst/>
-          </a:prstGeom>
-          <a:noFill/>
-        </p:spPr>
-        <p:txBody>
-          <a:bodyPr wrap="square" rtlCol="0">
-            <a:spAutoFit/>
-          </a:bodyPr>
-          <a:lstStyle/>
-          <a:p>
-            <a:r>
-              <a:rPr lang="en-GB" dirty="0" err="1"/>
-              <a:t>Sabba</a:t>
-            </a:r>
-            <a:endParaRPr lang="en-GB" dirty="0"/>
-          </a:p>
-        </p:txBody>
-      </p:sp>
-    </p:spTree>
-    <p:extLst>
-      <p:ext uri="{BB962C8B-B14F-4D97-AF65-F5344CB8AC3E}">
-        <p14:creationId xmlns:p14="http://schemas.microsoft.com/office/powerpoint/2010/main" val="2193651466"/>
-      </p:ext>
-    </p:extLst>
-  </p:cSld>
-  <p:clrMapOvr>
-    <a:masterClrMapping/>
-  </p:clrMapOvr>
-</p:sld>
-</file>
-
-<file path=ppt/slides/slide9.xml><?xml version="1.0" encoding="utf-8"?>
 <p:sld xmlns:a="http://schemas.openxmlformats.org/drawingml/2006/main" xmlns:r="http://schemas.openxmlformats.org/officeDocument/2006/relationships" xmlns:p="http://schemas.openxmlformats.org/presentationml/2006/main" showMasterSp="0">
   <p:cSld>
     <p:spTree>
@@ -11942,40 +9575,2320 @@
           </a:p>
         </p:txBody>
       </p:sp>
-      <p:sp>
-        <p:nvSpPr>
-          <p:cNvPr id="23" name="TextBox 22"/>
-          <p:cNvSpPr txBox="1"/>
-          <p:nvPr/>
+    </p:spTree>
+    <p:extLst>
+      <p:ext uri="{BB962C8B-B14F-4D97-AF65-F5344CB8AC3E}">
+        <p14:creationId xmlns:p14="http://schemas.microsoft.com/office/powerpoint/2010/main" val="210455241"/>
+      </p:ext>
+    </p:extLst>
+  </p:cSld>
+  <p:clrMapOvr>
+    <a:masterClrMapping/>
+  </p:clrMapOvr>
+</p:sld>
+</file>
+
+<file path=ppt/slides/slide11.xml><?xml version="1.0" encoding="utf-8"?>
+<p:sld xmlns:a="http://schemas.openxmlformats.org/drawingml/2006/main" xmlns:r="http://schemas.openxmlformats.org/officeDocument/2006/relationships" xmlns:p="http://schemas.openxmlformats.org/presentationml/2006/main">
+  <p:cSld>
+    <p:spTree>
+      <p:nvGrpSpPr>
+        <p:cNvPr id="1" name=""/>
+        <p:cNvGrpSpPr/>
+        <p:nvPr/>
+      </p:nvGrpSpPr>
+      <p:grpSpPr>
+        <a:xfrm>
+          <a:off x="0" y="0"/>
+          <a:ext cx="0" cy="0"/>
+          <a:chOff x="0" y="0"/>
+          <a:chExt cx="0" cy="0"/>
+        </a:xfrm>
+      </p:grpSpPr>
+      <p:sp>
+        <p:nvSpPr>
+          <p:cNvPr id="2" name="Title 1"/>
+          <p:cNvSpPr>
+            <a:spLocks noGrp="1"/>
+          </p:cNvSpPr>
+          <p:nvPr>
+            <p:ph type="title"/>
+          </p:nvPr>
         </p:nvSpPr>
         <p:spPr>
           <a:xfrm>
-            <a:off x="121023" y="6238267"/>
-            <a:ext cx="856129" cy="369332"/>
+            <a:off x="677334" y="609600"/>
+            <a:ext cx="8596668" cy="1320800"/>
+          </a:xfrm>
+        </p:spPr>
+        <p:txBody>
+          <a:bodyPr/>
+          <a:lstStyle/>
+          <a:p>
+            <a:r>
+              <a:rPr lang="en-GB" dirty="0"/>
+              <a:t>Project Manager</a:t>
+            </a:r>
+          </a:p>
+        </p:txBody>
+      </p:sp>
+      <p:sp>
+        <p:nvSpPr>
+          <p:cNvPr id="3" name="Content Placeholder 2"/>
+          <p:cNvSpPr>
+            <a:spLocks noGrp="1"/>
+          </p:cNvSpPr>
+          <p:nvPr>
+            <p:ph idx="1"/>
+          </p:nvPr>
+        </p:nvSpPr>
+        <p:spPr>
+          <a:xfrm>
+            <a:off x="677334" y="2160589"/>
+            <a:ext cx="8596668" cy="3880773"/>
+          </a:xfrm>
+        </p:spPr>
+        <p:txBody>
+          <a:bodyPr/>
+          <a:lstStyle/>
+          <a:p>
+            <a:r>
+              <a:rPr lang="en-GB" dirty="0"/>
+              <a:t>Overall responsibility for initiating, planning, design, execution, monitoring, controlling and finalising the project</a:t>
+            </a:r>
+          </a:p>
+          <a:p>
+            <a:r>
+              <a:rPr lang="en-GB" dirty="0"/>
+              <a:t>The ability to ask penetrating questions</a:t>
+            </a:r>
+          </a:p>
+          <a:p>
+            <a:r>
+              <a:rPr lang="en-GB" dirty="0"/>
+              <a:t>Chase up and confirm assumptions</a:t>
+            </a:r>
+          </a:p>
+          <a:p>
+            <a:r>
+              <a:rPr lang="en-GB" dirty="0"/>
+              <a:t>Key roles – planning and setting up variables</a:t>
+            </a:r>
+          </a:p>
+          <a:p>
+            <a:r>
+              <a:rPr lang="en-GB" dirty="0"/>
+              <a:t>Resourcing</a:t>
+            </a:r>
+          </a:p>
+          <a:p>
+            <a:r>
+              <a:rPr lang="en-GB" dirty="0"/>
+              <a:t>Schedules</a:t>
+            </a:r>
+          </a:p>
+          <a:p>
+            <a:r>
+              <a:rPr lang="en-GB" dirty="0"/>
+              <a:t>Managing issues</a:t>
+            </a:r>
+          </a:p>
+          <a:p>
+            <a:r>
+              <a:rPr lang="en-GB" dirty="0"/>
+              <a:t>Leadership</a:t>
+            </a:r>
+          </a:p>
+          <a:p>
+            <a:r>
+              <a:rPr lang="en-GB" dirty="0"/>
+              <a:t>Confidence and assurance</a:t>
+            </a:r>
+          </a:p>
+        </p:txBody>
+      </p:sp>
+    </p:spTree>
+    <p:extLst>
+      <p:ext uri="{BB962C8B-B14F-4D97-AF65-F5344CB8AC3E}">
+        <p14:creationId xmlns:p14="http://schemas.microsoft.com/office/powerpoint/2010/main" val="2935926486"/>
+      </p:ext>
+    </p:extLst>
+  </p:cSld>
+  <p:clrMapOvr>
+    <a:masterClrMapping/>
+  </p:clrMapOvr>
+</p:sld>
+</file>
+
+<file path=ppt/slides/slide12.xml><?xml version="1.0" encoding="utf-8"?>
+<p:sld xmlns:a="http://schemas.openxmlformats.org/drawingml/2006/main" xmlns:r="http://schemas.openxmlformats.org/officeDocument/2006/relationships" xmlns:p="http://schemas.openxmlformats.org/presentationml/2006/main">
+  <p:cSld>
+    <p:spTree>
+      <p:nvGrpSpPr>
+        <p:cNvPr id="1" name=""/>
+        <p:cNvGrpSpPr/>
+        <p:nvPr/>
+      </p:nvGrpSpPr>
+      <p:grpSpPr>
+        <a:xfrm>
+          <a:off x="0" y="0"/>
+          <a:ext cx="0" cy="0"/>
+          <a:chOff x="0" y="0"/>
+          <a:chExt cx="0" cy="0"/>
+        </a:xfrm>
+      </p:grpSpPr>
+      <p:sp>
+        <p:nvSpPr>
+          <p:cNvPr id="2" name="Title 1"/>
+          <p:cNvSpPr>
+            <a:spLocks noGrp="1"/>
+          </p:cNvSpPr>
+          <p:nvPr>
+            <p:ph type="title"/>
+          </p:nvPr>
+        </p:nvSpPr>
+        <p:spPr>
+          <a:xfrm>
+            <a:off x="507004" y="85165"/>
+            <a:ext cx="8596668" cy="1320800"/>
+          </a:xfrm>
+        </p:spPr>
+        <p:txBody>
+          <a:bodyPr>
+            <a:normAutofit fontScale="90000"/>
+          </a:bodyPr>
+          <a:lstStyle/>
+          <a:p>
+            <a:r>
+              <a:rPr lang="en-GB" dirty="0"/>
+              <a:t> Supplier</a:t>
+            </a:r>
+            <a:br>
+              <a:rPr lang="en-GB" dirty="0"/>
+            </a:br>
+            <a:br>
+              <a:rPr lang="en-GB" dirty="0"/>
+            </a:br>
+            <a:endParaRPr lang="en-GB" dirty="0"/>
+          </a:p>
+        </p:txBody>
+      </p:sp>
+      <p:sp>
+        <p:nvSpPr>
+          <p:cNvPr id="3" name="Content Placeholder 2"/>
+          <p:cNvSpPr>
+            <a:spLocks noGrp="1"/>
+          </p:cNvSpPr>
+          <p:nvPr>
+            <p:ph idx="1"/>
+          </p:nvPr>
+        </p:nvSpPr>
+        <p:spPr>
+          <a:xfrm>
+            <a:off x="507004" y="1039905"/>
+            <a:ext cx="9748619" cy="6024283"/>
+          </a:xfrm>
+        </p:spPr>
+        <p:txBody>
+          <a:bodyPr>
+            <a:normAutofit fontScale="92500" lnSpcReduction="20000"/>
+          </a:bodyPr>
+          <a:lstStyle/>
+          <a:p>
+            <a:r>
+              <a:rPr lang="en-GB" dirty="0"/>
+              <a:t>Who is  a supplier?</a:t>
+            </a:r>
+          </a:p>
+          <a:p>
+            <a:pPr lvl="1"/>
+            <a:r>
+              <a:rPr lang="en-GB" dirty="0"/>
+              <a:t>Manufacturer, distributor or a vendor</a:t>
+            </a:r>
+          </a:p>
+          <a:p>
+            <a:pPr lvl="1"/>
+            <a:r>
+              <a:rPr lang="en-GB" dirty="0"/>
+              <a:t>Can ship products to the supplier distribution hubs or directly to the retail store</a:t>
+            </a:r>
+          </a:p>
+          <a:p>
+            <a:pPr lvl="1"/>
+            <a:r>
+              <a:rPr lang="en-GB" dirty="0"/>
+              <a:t>Reliable and efficient </a:t>
+            </a:r>
+          </a:p>
+          <a:p>
+            <a:pPr marL="457200" lvl="1" indent="0">
+              <a:buNone/>
+            </a:pPr>
+            <a:endParaRPr lang="en-GB" dirty="0"/>
+          </a:p>
+          <a:p>
+            <a:r>
+              <a:rPr lang="en-GB" dirty="0"/>
+              <a:t>What is the role of a supplier?</a:t>
+            </a:r>
+          </a:p>
+          <a:p>
+            <a:pPr lvl="1"/>
+            <a:r>
+              <a:rPr lang="en-GB" dirty="0"/>
+              <a:t>Provide the products</a:t>
+            </a:r>
+          </a:p>
+          <a:p>
+            <a:pPr lvl="1"/>
+            <a:r>
+              <a:rPr lang="en-GB" dirty="0"/>
+              <a:t>Resellers</a:t>
+            </a:r>
+          </a:p>
+          <a:p>
+            <a:pPr marL="457200" lvl="1" indent="0">
+              <a:buNone/>
+            </a:pPr>
+            <a:endParaRPr lang="en-GB" dirty="0"/>
+          </a:p>
+          <a:p>
+            <a:r>
+              <a:rPr lang="en-GB" dirty="0"/>
+              <a:t>The relationship between supplier and seller?</a:t>
+            </a:r>
+          </a:p>
+          <a:p>
+            <a:pPr lvl="1"/>
+            <a:r>
+              <a:rPr lang="en-GB" dirty="0"/>
+              <a:t>Is a very close relationship almost like a food chain between customer, seller and supplier</a:t>
+            </a:r>
+          </a:p>
+          <a:p>
+            <a:pPr lvl="1"/>
+            <a:endParaRPr lang="en-GB" dirty="0"/>
+          </a:p>
+          <a:p>
+            <a:r>
+              <a:rPr lang="en-GB" dirty="0"/>
+              <a:t>Responsibilities of a supplier? </a:t>
+            </a:r>
+          </a:p>
+          <a:p>
+            <a:pPr lvl="1"/>
+            <a:r>
+              <a:rPr lang="en-GB" dirty="0"/>
+              <a:t>Source the seller good products, material and supplier</a:t>
+            </a:r>
+          </a:p>
+          <a:p>
+            <a:pPr lvl="1"/>
+            <a:endParaRPr lang="en-GB" dirty="0"/>
+          </a:p>
+          <a:p>
+            <a:r>
+              <a:rPr lang="en-GB" dirty="0"/>
+              <a:t>What is EDI?</a:t>
+            </a:r>
+          </a:p>
+          <a:p>
+            <a:pPr lvl="1"/>
+            <a:r>
+              <a:rPr lang="en-GB" dirty="0"/>
+              <a:t>Electronic data integration – links databases, allows access between computer systems.</a:t>
+            </a:r>
+          </a:p>
+          <a:p>
+            <a:pPr lvl="1"/>
+            <a:r>
+              <a:rPr lang="en-GB" dirty="0"/>
+              <a:t>EDI is the best method and shows the trust between the supplier and seller</a:t>
+            </a:r>
+          </a:p>
+          <a:p>
+            <a:endParaRPr lang="en-GB" dirty="0"/>
+          </a:p>
+          <a:p>
+            <a:pPr marL="457200" lvl="1" indent="0">
+              <a:buNone/>
+            </a:pPr>
+            <a:endParaRPr lang="en-GB" dirty="0"/>
+          </a:p>
+        </p:txBody>
+      </p:sp>
+    </p:spTree>
+    <p:extLst>
+      <p:ext uri="{BB962C8B-B14F-4D97-AF65-F5344CB8AC3E}">
+        <p14:creationId xmlns:p14="http://schemas.microsoft.com/office/powerpoint/2010/main" val="3323877898"/>
+      </p:ext>
+    </p:extLst>
+  </p:cSld>
+  <p:clrMapOvr>
+    <a:masterClrMapping/>
+  </p:clrMapOvr>
+</p:sld>
+</file>
+
+<file path=ppt/slides/slide13.xml><?xml version="1.0" encoding="utf-8"?>
+<p:sld xmlns:a="http://schemas.openxmlformats.org/drawingml/2006/main" xmlns:r="http://schemas.openxmlformats.org/officeDocument/2006/relationships" xmlns:p="http://schemas.openxmlformats.org/presentationml/2006/main">
+  <p:cSld>
+    <p:spTree>
+      <p:nvGrpSpPr>
+        <p:cNvPr id="1" name=""/>
+        <p:cNvGrpSpPr/>
+        <p:nvPr/>
+      </p:nvGrpSpPr>
+      <p:grpSpPr>
+        <a:xfrm>
+          <a:off x="0" y="0"/>
+          <a:ext cx="0" cy="0"/>
+          <a:chOff x="0" y="0"/>
+          <a:chExt cx="0" cy="0"/>
+        </a:xfrm>
+      </p:grpSpPr>
+      <p:sp>
+        <p:nvSpPr>
+          <p:cNvPr id="2" name="Title 1"/>
+          <p:cNvSpPr>
+            <a:spLocks noGrp="1"/>
+          </p:cNvSpPr>
+          <p:nvPr>
+            <p:ph type="title"/>
+          </p:nvPr>
+        </p:nvSpPr>
+        <p:spPr/>
+        <p:txBody>
+          <a:bodyPr/>
+          <a:lstStyle/>
+          <a:p>
+            <a:r>
+              <a:rPr lang="en-GB" dirty="0">
+                <a:latin typeface="Adobe Devanagari" panose="02040503050201020203" pitchFamily="18" charset="0"/>
+                <a:cs typeface="Adobe Devanagari" panose="02040503050201020203" pitchFamily="18" charset="0"/>
+              </a:rPr>
+              <a:t>Marketing-Abdala </a:t>
+            </a:r>
+            <a:br>
+              <a:rPr lang="en-GB" dirty="0">
+                <a:latin typeface="Adobe Devanagari" panose="02040503050201020203" pitchFamily="18" charset="0"/>
+                <a:cs typeface="Adobe Devanagari" panose="02040503050201020203" pitchFamily="18" charset="0"/>
+              </a:rPr>
+            </a:br>
+            <a:endParaRPr lang="en-GB" dirty="0">
+              <a:latin typeface="Adobe Devanagari" panose="02040503050201020203" pitchFamily="18" charset="0"/>
+              <a:cs typeface="Adobe Devanagari" panose="02040503050201020203" pitchFamily="18" charset="0"/>
+            </a:endParaRPr>
+          </a:p>
+        </p:txBody>
+      </p:sp>
+      <p:sp>
+        <p:nvSpPr>
+          <p:cNvPr id="3" name="Content Placeholder 2"/>
+          <p:cNvSpPr>
+            <a:spLocks noGrp="1"/>
+          </p:cNvSpPr>
+          <p:nvPr>
+            <p:ph idx="1"/>
+          </p:nvPr>
+        </p:nvSpPr>
+        <p:spPr/>
+        <p:txBody>
+          <a:bodyPr/>
+          <a:lstStyle/>
+          <a:p>
+            <a:pPr lvl="0"/>
+            <a:r>
+              <a:rPr lang="en-GB" dirty="0">
+                <a:cs typeface="Adobe Devanagari" panose="02040503050201020203" pitchFamily="18" charset="0"/>
+              </a:rPr>
+              <a:t>Marketing is where a business creates new ways in which it can improve the performance of sales in hopes of increasing profit.</a:t>
+            </a:r>
+          </a:p>
+          <a:p>
+            <a:pPr lvl="0"/>
+            <a:r>
+              <a:rPr lang="en-GB" dirty="0">
+                <a:cs typeface="Adobe Devanagari" panose="02040503050201020203" pitchFamily="18" charset="0"/>
+              </a:rPr>
+              <a:t> A business can do this by tracking consumer purchase, and by doing so can offer promotions and offers on popular products.</a:t>
+            </a:r>
+          </a:p>
+          <a:p>
+            <a:pPr lvl="0"/>
+            <a:r>
+              <a:rPr lang="en-GB" dirty="0">
+                <a:cs typeface="Adobe Devanagari" panose="02040503050201020203" pitchFamily="18" charset="0"/>
+              </a:rPr>
+              <a:t>I approached this core by first researching the offers and promotions of other companies such as Tesco and Sainsbury for a better insight.</a:t>
+            </a:r>
+          </a:p>
+          <a:p>
+            <a:pPr lvl="0"/>
+            <a:r>
+              <a:rPr lang="en-GB" dirty="0">
+                <a:cs typeface="Adobe Devanagari" panose="02040503050201020203" pitchFamily="18" charset="0"/>
+              </a:rPr>
+              <a:t> In doing so it has helped in deciding on offers and promotions that we will integrate into the software.</a:t>
+            </a:r>
+          </a:p>
+          <a:p>
+            <a:endParaRPr lang="en-GB" dirty="0"/>
+          </a:p>
+          <a:p>
+            <a:endParaRPr lang="en-GB" dirty="0"/>
+          </a:p>
+          <a:p>
+            <a:endParaRPr lang="en-GB" dirty="0"/>
+          </a:p>
+        </p:txBody>
+      </p:sp>
+    </p:spTree>
+    <p:extLst>
+      <p:ext uri="{BB962C8B-B14F-4D97-AF65-F5344CB8AC3E}">
+        <p14:creationId xmlns:p14="http://schemas.microsoft.com/office/powerpoint/2010/main" val="3035221819"/>
+      </p:ext>
+    </p:extLst>
+  </p:cSld>
+  <p:clrMapOvr>
+    <a:masterClrMapping/>
+  </p:clrMapOvr>
+</p:sld>
+</file>
+
+<file path=ppt/slides/slide14.xml><?xml version="1.0" encoding="utf-8"?>
+<p:sld xmlns:a="http://schemas.openxmlformats.org/drawingml/2006/main" xmlns:r="http://schemas.openxmlformats.org/officeDocument/2006/relationships" xmlns:p="http://schemas.openxmlformats.org/presentationml/2006/main">
+  <p:cSld>
+    <p:spTree>
+      <p:nvGrpSpPr>
+        <p:cNvPr id="1" name=""/>
+        <p:cNvGrpSpPr/>
+        <p:nvPr/>
+      </p:nvGrpSpPr>
+      <p:grpSpPr>
+        <a:xfrm>
+          <a:off x="0" y="0"/>
+          <a:ext cx="0" cy="0"/>
+          <a:chOff x="0" y="0"/>
+          <a:chExt cx="0" cy="0"/>
+        </a:xfrm>
+      </p:grpSpPr>
+      <p:sp>
+        <p:nvSpPr>
+          <p:cNvPr id="2" name="Title 1"/>
+          <p:cNvSpPr>
+            <a:spLocks noGrp="1"/>
+          </p:cNvSpPr>
+          <p:nvPr>
+            <p:ph type="title"/>
+          </p:nvPr>
+        </p:nvSpPr>
+        <p:spPr/>
+        <p:txBody>
+          <a:bodyPr/>
+          <a:lstStyle/>
+          <a:p>
+            <a:r>
+              <a:rPr lang="en-GB" dirty="0">
+                <a:latin typeface="Adobe Devanagari" panose="02040503050201020203" pitchFamily="18" charset="0"/>
+                <a:cs typeface="Adobe Devanagari" panose="02040503050201020203" pitchFamily="18" charset="0"/>
+              </a:rPr>
+              <a:t>Marketing-Software : </a:t>
+            </a:r>
+          </a:p>
+        </p:txBody>
+      </p:sp>
+      <p:sp>
+        <p:nvSpPr>
+          <p:cNvPr id="4" name="Content Placeholder 3"/>
+          <p:cNvSpPr>
+            <a:spLocks noGrp="1"/>
+          </p:cNvSpPr>
+          <p:nvPr>
+            <p:ph idx="1"/>
+          </p:nvPr>
+        </p:nvSpPr>
+        <p:spPr/>
+        <p:txBody>
+          <a:bodyPr/>
+          <a:lstStyle/>
+          <a:p>
+            <a:r>
+              <a:rPr lang="en-GB" dirty="0"/>
+              <a:t>The promotions are advertised on the main page/home page</a:t>
+            </a:r>
+          </a:p>
+          <a:p>
+            <a:r>
+              <a:rPr lang="en-GB" dirty="0"/>
+              <a:t>The customer will input the promo-code at checking out</a:t>
+            </a:r>
+          </a:p>
+          <a:p>
+            <a:r>
+              <a:rPr lang="en-GB" dirty="0"/>
+              <a:t>The system checks with the database if the promotion Is available to them</a:t>
+            </a:r>
+          </a:p>
+          <a:p>
+            <a:r>
+              <a:rPr lang="en-GB" dirty="0"/>
+              <a:t>If available another check is made to see if they meet the requirements for that specific promo.</a:t>
+            </a:r>
+          </a:p>
+          <a:p>
+            <a:r>
+              <a:rPr lang="en-GB" dirty="0"/>
+              <a:t>If they meet the requirements the overall price is updated/discounted</a:t>
+            </a:r>
+          </a:p>
+          <a:p>
+            <a:r>
+              <a:rPr lang="en-GB" dirty="0"/>
+              <a:t>Finally the customer pays and checks out with a discounted price.</a:t>
+            </a:r>
+          </a:p>
+        </p:txBody>
+      </p:sp>
+    </p:spTree>
+    <p:extLst>
+      <p:ext uri="{BB962C8B-B14F-4D97-AF65-F5344CB8AC3E}">
+        <p14:creationId xmlns:p14="http://schemas.microsoft.com/office/powerpoint/2010/main" val="241369529"/>
+      </p:ext>
+    </p:extLst>
+  </p:cSld>
+  <p:clrMapOvr>
+    <a:masterClrMapping/>
+  </p:clrMapOvr>
+</p:sld>
+</file>
+
+<file path=ppt/slides/slide15.xml><?xml version="1.0" encoding="utf-8"?>
+<p:sld xmlns:a="http://schemas.openxmlformats.org/drawingml/2006/main" xmlns:r="http://schemas.openxmlformats.org/officeDocument/2006/relationships" xmlns:p="http://schemas.openxmlformats.org/presentationml/2006/main">
+  <p:cSld>
+    <p:spTree>
+      <p:nvGrpSpPr>
+        <p:cNvPr id="1" name=""/>
+        <p:cNvGrpSpPr/>
+        <p:nvPr/>
+      </p:nvGrpSpPr>
+      <p:grpSpPr>
+        <a:xfrm>
+          <a:off x="0" y="0"/>
+          <a:ext cx="0" cy="0"/>
+          <a:chOff x="0" y="0"/>
+          <a:chExt cx="0" cy="0"/>
+        </a:xfrm>
+      </p:grpSpPr>
+      <p:sp>
+        <p:nvSpPr>
+          <p:cNvPr id="2" name="Title 1"/>
+          <p:cNvSpPr>
+            <a:spLocks noGrp="1"/>
+          </p:cNvSpPr>
+          <p:nvPr>
+            <p:ph type="title"/>
+          </p:nvPr>
+        </p:nvSpPr>
+        <p:spPr/>
+        <p:txBody>
+          <a:bodyPr/>
+          <a:lstStyle/>
+          <a:p>
+            <a:r>
+              <a:rPr lang="en-GB" dirty="0"/>
+              <a:t>Marketing: Tasks-to-do</a:t>
+            </a:r>
+          </a:p>
+        </p:txBody>
+      </p:sp>
+      <p:sp>
+        <p:nvSpPr>
+          <p:cNvPr id="3" name="Content Placeholder 2"/>
+          <p:cNvSpPr>
+            <a:spLocks noGrp="1"/>
+          </p:cNvSpPr>
+          <p:nvPr>
+            <p:ph idx="1"/>
+          </p:nvPr>
+        </p:nvSpPr>
+        <p:spPr/>
+        <p:txBody>
+          <a:bodyPr/>
+          <a:lstStyle/>
+          <a:p>
+            <a:r>
+              <a:rPr lang="en-GB" dirty="0"/>
+              <a:t>The promotions are limited – expand</a:t>
+            </a:r>
+          </a:p>
+          <a:p>
+            <a:r>
+              <a:rPr lang="en-GB" dirty="0"/>
+              <a:t>Notifications alerting the customer on availability</a:t>
+            </a:r>
+          </a:p>
+          <a:p>
+            <a:r>
+              <a:rPr lang="en-GB" dirty="0"/>
+              <a:t>Layout – in terms of visibility</a:t>
+            </a:r>
+          </a:p>
+          <a:p>
+            <a:r>
+              <a:rPr lang="en-GB" dirty="0"/>
+              <a:t>Make design more user-friendly</a:t>
+            </a:r>
+          </a:p>
+          <a:p>
+            <a:r>
+              <a:rPr lang="en-GB" dirty="0"/>
+              <a:t>Registration form needs changes based on the user interface.</a:t>
+            </a:r>
+          </a:p>
+          <a:p>
+            <a:endParaRPr lang="en-GB" dirty="0"/>
+          </a:p>
+        </p:txBody>
+      </p:sp>
+    </p:spTree>
+    <p:extLst>
+      <p:ext uri="{BB962C8B-B14F-4D97-AF65-F5344CB8AC3E}">
+        <p14:creationId xmlns:p14="http://schemas.microsoft.com/office/powerpoint/2010/main" val="2589271151"/>
+      </p:ext>
+    </p:extLst>
+  </p:cSld>
+  <p:clrMapOvr>
+    <a:masterClrMapping/>
+  </p:clrMapOvr>
+</p:sld>
+</file>
+
+<file path=ppt/slides/slide16.xml><?xml version="1.0" encoding="utf-8"?>
+<p:sld xmlns:a="http://schemas.openxmlformats.org/drawingml/2006/main" xmlns:r="http://schemas.openxmlformats.org/officeDocument/2006/relationships" xmlns:p="http://schemas.openxmlformats.org/presentationml/2006/main">
+  <p:cSld>
+    <p:spTree>
+      <p:nvGrpSpPr>
+        <p:cNvPr id="1" name=""/>
+        <p:cNvGrpSpPr/>
+        <p:nvPr/>
+      </p:nvGrpSpPr>
+      <p:grpSpPr>
+        <a:xfrm>
+          <a:off x="0" y="0"/>
+          <a:ext cx="0" cy="0"/>
+          <a:chOff x="0" y="0"/>
+          <a:chExt cx="0" cy="0"/>
+        </a:xfrm>
+      </p:grpSpPr>
+      <p:sp>
+        <p:nvSpPr>
+          <p:cNvPr id="2" name="Title 1"/>
+          <p:cNvSpPr>
+            <a:spLocks noGrp="1"/>
+          </p:cNvSpPr>
+          <p:nvPr>
+            <p:ph type="title"/>
+          </p:nvPr>
+        </p:nvSpPr>
+        <p:spPr/>
+        <p:txBody>
+          <a:bodyPr/>
+          <a:lstStyle/>
+          <a:p>
+            <a:r>
+              <a:rPr lang="en-GB" dirty="0"/>
+              <a:t>Loyalty Scheme</a:t>
+            </a:r>
+          </a:p>
+        </p:txBody>
+      </p:sp>
+      <p:sp>
+        <p:nvSpPr>
+          <p:cNvPr id="3" name="Content Placeholder 2"/>
+          <p:cNvSpPr>
+            <a:spLocks noGrp="1"/>
+          </p:cNvSpPr>
+          <p:nvPr>
+            <p:ph idx="1"/>
+          </p:nvPr>
+        </p:nvSpPr>
+        <p:spPr>
+          <a:xfrm>
+            <a:off x="677334" y="1476103"/>
+            <a:ext cx="8596668" cy="4937760"/>
+          </a:xfrm>
+        </p:spPr>
+        <p:txBody>
+          <a:bodyPr>
+            <a:noAutofit/>
+          </a:bodyPr>
+          <a:lstStyle/>
+          <a:p>
+            <a:r>
+              <a:rPr lang="en-GB" sz="1400" dirty="0"/>
+              <a:t>Loyalty Scheme is a rewards program offered by our company to those customers who frequently make purchases in our store. A loyalty scheme program gives our customer advanced access to new products, special sales coupons or free gift voucher to use within our  stores. </a:t>
+            </a:r>
+          </a:p>
+          <a:p>
+            <a:pPr>
+              <a:buNone/>
+            </a:pPr>
+            <a:r>
+              <a:rPr lang="en-GB" sz="1400" dirty="0"/>
+              <a:t>      To benefit form this scheme ,customers have to  register their personal information with the our store. After successful registration we issue a unique identifier, such as a numerical ID or membership card so that our customers can use that identifier when making a purchase in our stores.</a:t>
+            </a:r>
+          </a:p>
+          <a:p>
+            <a:endParaRPr lang="en-GB" sz="1400" dirty="0"/>
+          </a:p>
+          <a:p>
+            <a:r>
+              <a:rPr lang="en-GB" sz="1400" dirty="0"/>
+              <a:t>Research of php and mysql loyalty scheme  integration</a:t>
+            </a:r>
+          </a:p>
+          <a:p>
+            <a:r>
+              <a:rPr lang="en-GB" sz="1400" dirty="0"/>
+              <a:t>Alter table accounts to create points column </a:t>
+            </a:r>
+          </a:p>
+          <a:p>
+            <a:r>
+              <a:rPr lang="en-GB" sz="1400" dirty="0"/>
+              <a:t>Gathering resources</a:t>
+            </a:r>
+          </a:p>
+          <a:p>
+            <a:r>
+              <a:rPr lang="en-GB" sz="1400" dirty="0"/>
+              <a:t>Testing </a:t>
+            </a:r>
+          </a:p>
+          <a:p>
+            <a:endParaRPr lang="en-GB" sz="1600" dirty="0"/>
+          </a:p>
+          <a:p>
+            <a:r>
+              <a:rPr lang="en-GB" sz="1600" dirty="0"/>
+              <a:t>Functions required:</a:t>
+            </a:r>
+          </a:p>
+          <a:p>
+            <a:pPr lvl="1">
+              <a:buFont typeface="+mj-lt"/>
+              <a:buAutoNum type="arabicPeriod"/>
+            </a:pPr>
+            <a:r>
+              <a:rPr lang="en-GB" sz="1400" dirty="0"/>
+              <a:t>create function to add point </a:t>
+            </a:r>
+          </a:p>
+          <a:p>
+            <a:pPr lvl="1">
+              <a:buFont typeface="+mj-lt"/>
+              <a:buAutoNum type="arabicPeriod"/>
+            </a:pPr>
+            <a:r>
+              <a:rPr lang="en-GB" sz="1400" dirty="0"/>
+              <a:t>create function to  redeem the points to increase balance</a:t>
+            </a:r>
+          </a:p>
+          <a:p>
+            <a:endParaRPr lang="en-GB" dirty="0"/>
+          </a:p>
+        </p:txBody>
+      </p:sp>
+    </p:spTree>
+    <p:extLst>
+      <p:ext uri="{BB962C8B-B14F-4D97-AF65-F5344CB8AC3E}">
+        <p14:creationId xmlns:p14="http://schemas.microsoft.com/office/powerpoint/2010/main" val="4066050362"/>
+      </p:ext>
+    </p:extLst>
+  </p:cSld>
+  <p:clrMapOvr>
+    <a:masterClrMapping/>
+  </p:clrMapOvr>
+</p:sld>
+</file>
+
+<file path=ppt/slides/slide17.xml><?xml version="1.0" encoding="utf-8"?>
+<p:sld xmlns:a="http://schemas.openxmlformats.org/drawingml/2006/main" xmlns:r="http://schemas.openxmlformats.org/officeDocument/2006/relationships" xmlns:p="http://schemas.openxmlformats.org/presentationml/2006/main">
+  <p:cSld>
+    <p:spTree>
+      <p:nvGrpSpPr>
+        <p:cNvPr id="1" name=""/>
+        <p:cNvGrpSpPr/>
+        <p:nvPr/>
+      </p:nvGrpSpPr>
+      <p:grpSpPr>
+        <a:xfrm>
+          <a:off x="0" y="0"/>
+          <a:ext cx="0" cy="0"/>
+          <a:chOff x="0" y="0"/>
+          <a:chExt cx="0" cy="0"/>
+        </a:xfrm>
+      </p:grpSpPr>
+      <p:sp>
+        <p:nvSpPr>
+          <p:cNvPr id="2" name="Title 1"/>
+          <p:cNvSpPr>
+            <a:spLocks noGrp="1"/>
+          </p:cNvSpPr>
+          <p:nvPr>
+            <p:ph type="title"/>
+          </p:nvPr>
+        </p:nvSpPr>
+        <p:spPr/>
+        <p:txBody>
+          <a:bodyPr/>
+          <a:lstStyle/>
+          <a:p>
+            <a:r>
+              <a:rPr lang="en-GB" dirty="0"/>
+              <a:t>Payment </a:t>
+            </a:r>
+            <a:br>
+              <a:rPr lang="en-GB" dirty="0"/>
+            </a:br>
+            <a:endParaRPr lang="en-GB" dirty="0"/>
+          </a:p>
+        </p:txBody>
+      </p:sp>
+      <p:sp>
+        <p:nvSpPr>
+          <p:cNvPr id="3" name="Content Placeholder 2"/>
+          <p:cNvSpPr>
+            <a:spLocks noGrp="1"/>
+          </p:cNvSpPr>
+          <p:nvPr>
+            <p:ph idx="1"/>
+          </p:nvPr>
+        </p:nvSpPr>
+        <p:spPr/>
+        <p:txBody>
+          <a:bodyPr/>
+          <a:lstStyle/>
+          <a:p>
+            <a:r>
+              <a:rPr lang="en-GB" dirty="0"/>
+              <a:t>Research of Php payment integration</a:t>
+            </a:r>
+          </a:p>
+          <a:p>
+            <a:r>
+              <a:rPr lang="en-GB" dirty="0"/>
+              <a:t>Payment options Credit card Or PayPal</a:t>
+            </a:r>
+          </a:p>
+          <a:p>
+            <a:r>
+              <a:rPr lang="en-GB" dirty="0"/>
+              <a:t>Gathering resources, code snippets</a:t>
+            </a:r>
+          </a:p>
+          <a:p>
+            <a:r>
+              <a:rPr lang="en-GB" dirty="0"/>
+              <a:t>Testing</a:t>
+            </a:r>
+          </a:p>
+          <a:p>
+            <a:r>
+              <a:rPr lang="en-GB" dirty="0"/>
+              <a:t>Functions required:</a:t>
+            </a:r>
+          </a:p>
+          <a:p>
+            <a:pPr lvl="1">
+              <a:buFont typeface="Wingdings" panose="05000000000000000000" pitchFamily="2" charset="2"/>
+              <a:buChar char="§"/>
+            </a:pPr>
+            <a:r>
+              <a:rPr lang="en-GB" dirty="0"/>
+              <a:t>Add_balance.php</a:t>
+            </a:r>
+          </a:p>
+          <a:p>
+            <a:pPr lvl="1">
+              <a:buFont typeface="Wingdings" panose="05000000000000000000" pitchFamily="2" charset="2"/>
+              <a:buChar char="§"/>
+            </a:pPr>
+            <a:r>
+              <a:rPr lang="en-GB" dirty="0"/>
+              <a:t>Buy_product.php</a:t>
+            </a:r>
+          </a:p>
+          <a:p>
+            <a:pPr lvl="1">
+              <a:buFont typeface="Wingdings" panose="05000000000000000000" pitchFamily="2" charset="2"/>
+              <a:buChar char="§"/>
+            </a:pPr>
+            <a:r>
+              <a:rPr lang="en-GB" dirty="0"/>
+              <a:t>Receipt.php</a:t>
+            </a:r>
+          </a:p>
+          <a:p>
+            <a:pPr lvl="1">
+              <a:buFont typeface="Wingdings" panose="05000000000000000000" pitchFamily="2" charset="2"/>
+              <a:buChar char="§"/>
+            </a:pPr>
+            <a:endParaRPr lang="en-GB" dirty="0"/>
+          </a:p>
+          <a:p>
+            <a:endParaRPr lang="en-GB" dirty="0"/>
+          </a:p>
+        </p:txBody>
+      </p:sp>
+    </p:spTree>
+    <p:extLst>
+      <p:ext uri="{BB962C8B-B14F-4D97-AF65-F5344CB8AC3E}">
+        <p14:creationId xmlns:p14="http://schemas.microsoft.com/office/powerpoint/2010/main" val="492739854"/>
+      </p:ext>
+    </p:extLst>
+  </p:cSld>
+  <p:clrMapOvr>
+    <a:masterClrMapping/>
+  </p:clrMapOvr>
+</p:sld>
+</file>
+
+<file path=ppt/slides/slide18.xml><?xml version="1.0" encoding="utf-8"?>
+<p:sld xmlns:a="http://schemas.openxmlformats.org/drawingml/2006/main" xmlns:r="http://schemas.openxmlformats.org/officeDocument/2006/relationships" xmlns:p="http://schemas.openxmlformats.org/presentationml/2006/main">
+  <p:cSld>
+    <p:spTree>
+      <p:nvGrpSpPr>
+        <p:cNvPr id="1" name=""/>
+        <p:cNvGrpSpPr/>
+        <p:nvPr/>
+      </p:nvGrpSpPr>
+      <p:grpSpPr>
+        <a:xfrm>
+          <a:off x="0" y="0"/>
+          <a:ext cx="0" cy="0"/>
+          <a:chOff x="0" y="0"/>
+          <a:chExt cx="0" cy="0"/>
+        </a:xfrm>
+      </p:grpSpPr>
+      <p:sp>
+        <p:nvSpPr>
+          <p:cNvPr id="2" name="Title 1"/>
+          <p:cNvSpPr>
+            <a:spLocks noGrp="1"/>
+          </p:cNvSpPr>
+          <p:nvPr>
+            <p:ph type="title"/>
+          </p:nvPr>
+        </p:nvSpPr>
+        <p:spPr/>
+        <p:txBody>
+          <a:bodyPr/>
+          <a:lstStyle/>
+          <a:p>
+            <a:r>
+              <a:rPr lang="en-US" dirty="0"/>
+              <a:t>Payment operation</a:t>
+            </a:r>
+            <a:br>
+              <a:rPr lang="en-US" dirty="0"/>
+            </a:br>
+            <a:endParaRPr lang="en-US" dirty="0"/>
+          </a:p>
+        </p:txBody>
+      </p:sp>
+      <p:sp>
+        <p:nvSpPr>
+          <p:cNvPr id="3" name="Content Placeholder 2"/>
+          <p:cNvSpPr>
+            <a:spLocks noGrp="1"/>
+          </p:cNvSpPr>
+          <p:nvPr>
+            <p:ph idx="1"/>
+          </p:nvPr>
+        </p:nvSpPr>
+        <p:spPr/>
+        <p:txBody>
+          <a:bodyPr/>
+          <a:lstStyle/>
+          <a:p>
+            <a:r>
+              <a:rPr lang="en-US" dirty="0"/>
+              <a:t>The main idea of Payment development plan:</a:t>
+            </a:r>
+          </a:p>
+          <a:p>
+            <a:pPr marL="0" indent="0">
+              <a:buNone/>
+            </a:pPr>
+            <a:r>
+              <a:rPr lang="en-US" dirty="0"/>
+              <a:t>	The customer can select a payment option Credit card or PayPal</a:t>
+            </a:r>
+          </a:p>
+          <a:p>
+            <a:pPr marL="0" indent="0">
+              <a:buNone/>
+            </a:pPr>
+            <a:r>
+              <a:rPr lang="en-US" dirty="0"/>
+              <a:t>	select the amount he/she wants to add </a:t>
+            </a:r>
+          </a:p>
+          <a:p>
+            <a:pPr marL="0" indent="0">
+              <a:buNone/>
+            </a:pPr>
+            <a:r>
+              <a:rPr lang="en-US" dirty="0"/>
+              <a:t>	and uses the money to purchase goods from the website</a:t>
+            </a:r>
+          </a:p>
+          <a:p>
+            <a:pPr marL="0" indent="0">
+              <a:buNone/>
+            </a:pPr>
+            <a:r>
+              <a:rPr lang="en-US" dirty="0"/>
+              <a:t>		</a:t>
+            </a:r>
+          </a:p>
+        </p:txBody>
+      </p:sp>
+    </p:spTree>
+    <p:extLst>
+      <p:ext uri="{BB962C8B-B14F-4D97-AF65-F5344CB8AC3E}">
+        <p14:creationId xmlns:p14="http://schemas.microsoft.com/office/powerpoint/2010/main" val="3195211005"/>
+      </p:ext>
+    </p:extLst>
+  </p:cSld>
+  <p:clrMapOvr>
+    <a:masterClrMapping/>
+  </p:clrMapOvr>
+</p:sld>
+</file>
+
+<file path=ppt/slides/slide19.xml><?xml version="1.0" encoding="utf-8"?>
+<p:sld xmlns:a="http://schemas.openxmlformats.org/drawingml/2006/main" xmlns:r="http://schemas.openxmlformats.org/officeDocument/2006/relationships" xmlns:p="http://schemas.openxmlformats.org/presentationml/2006/main">
+  <p:cSld>
+    <p:spTree>
+      <p:nvGrpSpPr>
+        <p:cNvPr id="1" name=""/>
+        <p:cNvGrpSpPr/>
+        <p:nvPr/>
+      </p:nvGrpSpPr>
+      <p:grpSpPr>
+        <a:xfrm>
+          <a:off x="0" y="0"/>
+          <a:ext cx="0" cy="0"/>
+          <a:chOff x="0" y="0"/>
+          <a:chExt cx="0" cy="0"/>
+        </a:xfrm>
+      </p:grpSpPr>
+      <p:sp>
+        <p:nvSpPr>
+          <p:cNvPr id="2" name="Title 1"/>
+          <p:cNvSpPr>
+            <a:spLocks noGrp="1"/>
+          </p:cNvSpPr>
+          <p:nvPr>
+            <p:ph type="title"/>
+          </p:nvPr>
+        </p:nvSpPr>
+        <p:spPr/>
+        <p:txBody>
+          <a:bodyPr/>
+          <a:lstStyle/>
+          <a:p>
+            <a:r>
+              <a:rPr lang="en-GB" dirty="0"/>
+              <a:t>First Design </a:t>
+            </a:r>
+          </a:p>
+        </p:txBody>
+      </p:sp>
+      <p:pic>
+        <p:nvPicPr>
+          <p:cNvPr id="4" name="Content Placeholder 3"/>
+          <p:cNvPicPr>
+            <a:picLocks noGrp="1" noChangeAspect="1"/>
+          </p:cNvPicPr>
+          <p:nvPr>
+            <p:ph idx="1"/>
+          </p:nvPr>
+        </p:nvPicPr>
+        <p:blipFill>
+          <a:blip r:embed="rId3" cstate="print"/>
+          <a:stretch>
+            <a:fillRect/>
+          </a:stretch>
+        </p:blipFill>
+        <p:spPr>
+          <a:xfrm>
+            <a:off x="3270736" y="1367972"/>
+            <a:ext cx="3409863" cy="5075751"/>
+          </a:xfrm>
+          <a:prstGeom prst="rect">
+            <a:avLst/>
+          </a:prstGeom>
+        </p:spPr>
+      </p:pic>
+    </p:spTree>
+    <p:extLst>
+      <p:ext uri="{BB962C8B-B14F-4D97-AF65-F5344CB8AC3E}">
+        <p14:creationId xmlns:p14="http://schemas.microsoft.com/office/powerpoint/2010/main" val="3516292689"/>
+      </p:ext>
+    </p:extLst>
+  </p:cSld>
+  <p:clrMapOvr>
+    <a:masterClrMapping/>
+  </p:clrMapOvr>
+</p:sld>
+</file>
+
+<file path=ppt/slides/slide2.xml><?xml version="1.0" encoding="utf-8"?>
+<p:sld xmlns:a="http://schemas.openxmlformats.org/drawingml/2006/main" xmlns:r="http://schemas.openxmlformats.org/officeDocument/2006/relationships" xmlns:p="http://schemas.openxmlformats.org/presentationml/2006/main">
+  <p:cSld>
+    <p:spTree>
+      <p:nvGrpSpPr>
+        <p:cNvPr id="1" name=""/>
+        <p:cNvGrpSpPr/>
+        <p:nvPr/>
+      </p:nvGrpSpPr>
+      <p:grpSpPr>
+        <a:xfrm>
+          <a:off x="0" y="0"/>
+          <a:ext cx="0" cy="0"/>
+          <a:chOff x="0" y="0"/>
+          <a:chExt cx="0" cy="0"/>
+        </a:xfrm>
+      </p:grpSpPr>
+      <p:sp>
+        <p:nvSpPr>
+          <p:cNvPr id="2" name="Title 1"/>
+          <p:cNvSpPr>
+            <a:spLocks noGrp="1"/>
+          </p:cNvSpPr>
+          <p:nvPr>
+            <p:ph type="title"/>
+          </p:nvPr>
+        </p:nvSpPr>
+        <p:spPr/>
+        <p:txBody>
+          <a:bodyPr/>
+          <a:lstStyle/>
+          <a:p>
+            <a:r>
+              <a:rPr lang="en-GB" dirty="0"/>
+              <a:t>we chose: online Supermarket-Abdala</a:t>
+            </a:r>
+          </a:p>
+        </p:txBody>
+      </p:sp>
+      <p:sp>
+        <p:nvSpPr>
+          <p:cNvPr id="3" name="Content Placeholder 2"/>
+          <p:cNvSpPr>
+            <a:spLocks noGrp="1"/>
+          </p:cNvSpPr>
+          <p:nvPr>
+            <p:ph idx="1"/>
+          </p:nvPr>
+        </p:nvSpPr>
+        <p:spPr/>
+        <p:txBody>
+          <a:bodyPr>
+            <a:normAutofit/>
+          </a:bodyPr>
+          <a:lstStyle/>
+          <a:p>
+            <a:r>
+              <a:rPr lang="en-GB" dirty="0"/>
+              <a:t>Requirements include:</a:t>
+            </a:r>
+          </a:p>
+          <a:p>
+            <a:r>
+              <a:rPr lang="en-GB" dirty="0"/>
+              <a:t>Registration is needed to shop online</a:t>
+            </a:r>
+          </a:p>
+          <a:p>
+            <a:r>
+              <a:rPr lang="en-GB" dirty="0"/>
+              <a:t>Must include loyalty scheme – points system</a:t>
+            </a:r>
+          </a:p>
+          <a:p>
+            <a:r>
+              <a:rPr lang="en-GB" dirty="0"/>
+              <a:t>Must include offers and promotions – marketing</a:t>
+            </a:r>
+          </a:p>
+          <a:p>
+            <a:r>
+              <a:rPr lang="en-GB" dirty="0"/>
+              <a:t>Stock must be updated based on scarce resource – supplier interface</a:t>
+            </a:r>
+          </a:p>
+          <a:p>
+            <a:r>
+              <a:rPr lang="en-GB" dirty="0"/>
+              <a:t>Must include funds and balance – Payment  </a:t>
+            </a:r>
+          </a:p>
+          <a:p>
+            <a:pPr marL="0" indent="0">
+              <a:buNone/>
+            </a:pPr>
+            <a:endParaRPr lang="en-GB" dirty="0"/>
+          </a:p>
+        </p:txBody>
+      </p:sp>
+    </p:spTree>
+    <p:extLst>
+      <p:ext uri="{BB962C8B-B14F-4D97-AF65-F5344CB8AC3E}">
+        <p14:creationId xmlns:p14="http://schemas.microsoft.com/office/powerpoint/2010/main" val="1898146874"/>
+      </p:ext>
+    </p:extLst>
+  </p:cSld>
+  <p:clrMapOvr>
+    <a:masterClrMapping/>
+  </p:clrMapOvr>
+</p:sld>
+</file>
+
+<file path=ppt/slides/slide20.xml><?xml version="1.0" encoding="utf-8"?>
+<p:sld xmlns:a="http://schemas.openxmlformats.org/drawingml/2006/main" xmlns:r="http://schemas.openxmlformats.org/officeDocument/2006/relationships" xmlns:p="http://schemas.openxmlformats.org/presentationml/2006/main">
+  <p:cSld>
+    <p:spTree>
+      <p:nvGrpSpPr>
+        <p:cNvPr id="1" name=""/>
+        <p:cNvGrpSpPr/>
+        <p:nvPr/>
+      </p:nvGrpSpPr>
+      <p:grpSpPr>
+        <a:xfrm>
+          <a:off x="0" y="0"/>
+          <a:ext cx="0" cy="0"/>
+          <a:chOff x="0" y="0"/>
+          <a:chExt cx="0" cy="0"/>
+        </a:xfrm>
+      </p:grpSpPr>
+      <p:sp>
+        <p:nvSpPr>
+          <p:cNvPr id="2" name="Title 1"/>
+          <p:cNvSpPr>
+            <a:spLocks noGrp="1"/>
+          </p:cNvSpPr>
+          <p:nvPr>
+            <p:ph type="title"/>
+          </p:nvPr>
+        </p:nvSpPr>
+        <p:spPr/>
+        <p:txBody>
+          <a:bodyPr/>
+          <a:lstStyle/>
+          <a:p>
+            <a:r>
+              <a:rPr lang="en-GB" dirty="0"/>
+              <a:t>Draft Design</a:t>
+            </a:r>
+          </a:p>
+        </p:txBody>
+      </p:sp>
+      <p:pic>
+        <p:nvPicPr>
+          <p:cNvPr id="2050" name="Picture 2" descr="draft_design1.jpg"/>
+          <p:cNvPicPr>
+            <a:picLocks noChangeAspect="1" noChangeArrowheads="1"/>
+          </p:cNvPicPr>
+          <p:nvPr/>
+        </p:nvPicPr>
+        <p:blipFill>
+          <a:blip r:embed="rId3" cstate="print">
+            <a:extLst>
+              <a:ext uri="{28A0092B-C50C-407E-A947-70E740481C1C}">
+                <a14:useLocalDpi xmlns:a14="http://schemas.microsoft.com/office/drawing/2010/main" val="0"/>
+              </a:ext>
+            </a:extLst>
+          </a:blip>
+          <a:srcRect/>
+          <a:stretch>
+            <a:fillRect/>
+          </a:stretch>
+        </p:blipFill>
+        <p:spPr bwMode="auto">
+          <a:xfrm>
+            <a:off x="1567025" y="1349974"/>
+            <a:ext cx="6547498" cy="5231217"/>
           </a:xfrm>
           <a:prstGeom prst="rect">
             <a:avLst/>
           </a:prstGeom>
           <a:noFill/>
+          <a:extLst>
+            <a:ext uri="{909E8E84-426E-40DD-AFC4-6F175D3DCCD1}">
+              <a14:hiddenFill xmlns:a14="http://schemas.microsoft.com/office/drawing/2010/main">
+                <a:solidFill>
+                  <a:srgbClr val="FFFFFF"/>
+                </a:solidFill>
+              </a14:hiddenFill>
+            </a:ext>
+          </a:extLst>
         </p:spPr>
-        <p:txBody>
-          <a:bodyPr wrap="square" rtlCol="0">
-            <a:spAutoFit/>
-          </a:bodyPr>
-          <a:lstStyle/>
-          <a:p>
-            <a:r>
-              <a:rPr lang="en-GB" dirty="0" err="1"/>
-              <a:t>Sabba</a:t>
-            </a:r>
-            <a:endParaRPr lang="en-GB" dirty="0"/>
-          </a:p>
-        </p:txBody>
-      </p:sp>
+      </p:pic>
     </p:spTree>
     <p:extLst>
       <p:ext uri="{BB962C8B-B14F-4D97-AF65-F5344CB8AC3E}">
-        <p14:creationId xmlns:p14="http://schemas.microsoft.com/office/powerpoint/2010/main" val="210455241"/>
+        <p14:creationId xmlns:p14="http://schemas.microsoft.com/office/powerpoint/2010/main" val="522966023"/>
+      </p:ext>
+    </p:extLst>
+  </p:cSld>
+  <p:clrMapOvr>
+    <a:masterClrMapping/>
+  </p:clrMapOvr>
+</p:sld>
+</file>
+
+<file path=ppt/slides/slide21.xml><?xml version="1.0" encoding="utf-8"?>
+<p:sld xmlns:a="http://schemas.openxmlformats.org/drawingml/2006/main" xmlns:r="http://schemas.openxmlformats.org/officeDocument/2006/relationships" xmlns:p="http://schemas.openxmlformats.org/presentationml/2006/main" showMasterSp="0">
+  <p:cSld>
+    <p:spTree>
+      <p:nvGrpSpPr>
+        <p:cNvPr id="1" name=""/>
+        <p:cNvGrpSpPr/>
+        <p:nvPr/>
+      </p:nvGrpSpPr>
+      <p:grpSpPr>
+        <a:xfrm>
+          <a:off x="0" y="0"/>
+          <a:ext cx="0" cy="0"/>
+          <a:chOff x="0" y="0"/>
+          <a:chExt cx="0" cy="0"/>
+        </a:xfrm>
+      </p:grpSpPr>
+      <p:pic>
+        <p:nvPicPr>
+          <p:cNvPr id="5" name="Picture 4"/>
+          <p:cNvPicPr>
+            <a:picLocks noChangeAspect="1"/>
+          </p:cNvPicPr>
+          <p:nvPr/>
+        </p:nvPicPr>
+        <p:blipFill rotWithShape="1">
+          <a:blip r:embed="rId3" cstate="print"/>
+          <a:srcRect l="13846" t="6826" r="14859" b="8889"/>
+          <a:stretch/>
+        </p:blipFill>
+        <p:spPr>
+          <a:xfrm>
+            <a:off x="1175656" y="0"/>
+            <a:ext cx="9546771" cy="6818803"/>
+          </a:xfrm>
+          <a:prstGeom prst="rect">
+            <a:avLst/>
+          </a:prstGeom>
+        </p:spPr>
+      </p:pic>
+    </p:spTree>
+    <p:extLst>
+      <p:ext uri="{BB962C8B-B14F-4D97-AF65-F5344CB8AC3E}">
+        <p14:creationId xmlns:p14="http://schemas.microsoft.com/office/powerpoint/2010/main" val="1820709050"/>
+      </p:ext>
+    </p:extLst>
+  </p:cSld>
+  <p:clrMapOvr>
+    <a:masterClrMapping/>
+  </p:clrMapOvr>
+</p:sld>
+</file>
+
+<file path=ppt/slides/slide22.xml><?xml version="1.0" encoding="utf-8"?>
+<p:sld xmlns:a="http://schemas.openxmlformats.org/drawingml/2006/main" xmlns:r="http://schemas.openxmlformats.org/officeDocument/2006/relationships" xmlns:p="http://schemas.openxmlformats.org/presentationml/2006/main">
+  <p:cSld>
+    <p:spTree>
+      <p:nvGrpSpPr>
+        <p:cNvPr id="1" name=""/>
+        <p:cNvGrpSpPr/>
+        <p:nvPr/>
+      </p:nvGrpSpPr>
+      <p:grpSpPr>
+        <a:xfrm>
+          <a:off x="0" y="0"/>
+          <a:ext cx="0" cy="0"/>
+          <a:chOff x="0" y="0"/>
+          <a:chExt cx="0" cy="0"/>
+        </a:xfrm>
+      </p:grpSpPr>
+      <p:sp>
+        <p:nvSpPr>
+          <p:cNvPr id="2" name="Title 1"/>
+          <p:cNvSpPr>
+            <a:spLocks noGrp="1"/>
+          </p:cNvSpPr>
+          <p:nvPr>
+            <p:ph type="title"/>
+          </p:nvPr>
+        </p:nvSpPr>
+        <p:spPr/>
+        <p:txBody>
+          <a:bodyPr/>
+          <a:lstStyle/>
+          <a:p>
+            <a:pPr algn="ctr"/>
+            <a:r>
+              <a:rPr lang="en-GB" dirty="0"/>
+              <a:t>Thank you for your time</a:t>
+            </a:r>
+            <a:endParaRPr lang="en-US" dirty="0"/>
+          </a:p>
+        </p:txBody>
+      </p:sp>
+      <p:sp>
+        <p:nvSpPr>
+          <p:cNvPr id="3" name="Content Placeholder 2"/>
+          <p:cNvSpPr>
+            <a:spLocks noGrp="1"/>
+          </p:cNvSpPr>
+          <p:nvPr>
+            <p:ph idx="1"/>
+          </p:nvPr>
+        </p:nvSpPr>
+        <p:spPr/>
+        <p:txBody>
+          <a:bodyPr>
+            <a:normAutofit/>
+          </a:bodyPr>
+          <a:lstStyle/>
+          <a:p>
+            <a:r>
+              <a:rPr lang="en-GB" sz="2800" dirty="0"/>
+              <a:t>Any Questions?</a:t>
+            </a:r>
+            <a:endParaRPr lang="en-US" sz="2800" dirty="0"/>
+          </a:p>
+        </p:txBody>
+      </p:sp>
+    </p:spTree>
+    <p:extLst>
+      <p:ext uri="{BB962C8B-B14F-4D97-AF65-F5344CB8AC3E}">
+        <p14:creationId xmlns:p14="http://schemas.microsoft.com/office/powerpoint/2010/main" val="3976143562"/>
+      </p:ext>
+    </p:extLst>
+  </p:cSld>
+  <p:clrMapOvr>
+    <a:masterClrMapping/>
+  </p:clrMapOvr>
+</p:sld>
+</file>
+
+<file path=ppt/slides/slide3.xml><?xml version="1.0" encoding="utf-8"?>
+<p:sld xmlns:a="http://schemas.openxmlformats.org/drawingml/2006/main" xmlns:r="http://schemas.openxmlformats.org/officeDocument/2006/relationships" xmlns:p="http://schemas.openxmlformats.org/presentationml/2006/main">
+  <p:cSld>
+    <p:spTree>
+      <p:nvGrpSpPr>
+        <p:cNvPr id="1" name=""/>
+        <p:cNvGrpSpPr/>
+        <p:nvPr/>
+      </p:nvGrpSpPr>
+      <p:grpSpPr>
+        <a:xfrm>
+          <a:off x="0" y="0"/>
+          <a:ext cx="0" cy="0"/>
+          <a:chOff x="0" y="0"/>
+          <a:chExt cx="0" cy="0"/>
+        </a:xfrm>
+      </p:grpSpPr>
+      <p:sp>
+        <p:nvSpPr>
+          <p:cNvPr id="2" name="Title 1"/>
+          <p:cNvSpPr>
+            <a:spLocks noGrp="1"/>
+          </p:cNvSpPr>
+          <p:nvPr>
+            <p:ph type="title"/>
+          </p:nvPr>
+        </p:nvSpPr>
+        <p:spPr/>
+        <p:txBody>
+          <a:bodyPr/>
+          <a:lstStyle/>
+          <a:p>
+            <a:r>
+              <a:rPr lang="en-GB" dirty="0">
+                <a:latin typeface="Adobe Devanagari" panose="02040503050201020203" pitchFamily="18" charset="0"/>
+                <a:cs typeface="Adobe Devanagari" panose="02040503050201020203" pitchFamily="18" charset="0"/>
+              </a:rPr>
+              <a:t>Meet The Team</a:t>
+            </a:r>
+          </a:p>
+        </p:txBody>
+      </p:sp>
+      <p:sp>
+        <p:nvSpPr>
+          <p:cNvPr id="3" name="Content Placeholder 2"/>
+          <p:cNvSpPr>
+            <a:spLocks noGrp="1"/>
+          </p:cNvSpPr>
+          <p:nvPr>
+            <p:ph idx="1"/>
+          </p:nvPr>
+        </p:nvSpPr>
+        <p:spPr/>
+        <p:txBody>
+          <a:bodyPr/>
+          <a:lstStyle/>
+          <a:p>
+            <a:r>
+              <a:rPr lang="en-GB" dirty="0">
+                <a:latin typeface="Adobe Devanagari" panose="02040503050201020203" pitchFamily="18" charset="0"/>
+                <a:cs typeface="Adobe Devanagari" panose="02040503050201020203" pitchFamily="18" charset="0"/>
+              </a:rPr>
+              <a:t>Akber – Project Manager / Supplier</a:t>
+            </a:r>
+          </a:p>
+          <a:p>
+            <a:r>
+              <a:rPr lang="en-GB" dirty="0" err="1">
+                <a:latin typeface="Adobe Devanagari" panose="02040503050201020203" pitchFamily="18" charset="0"/>
+                <a:cs typeface="Adobe Devanagari" panose="02040503050201020203" pitchFamily="18" charset="0"/>
+              </a:rPr>
+              <a:t>Sabaa</a:t>
+            </a:r>
+            <a:r>
+              <a:rPr lang="en-GB" dirty="0">
+                <a:latin typeface="Adobe Devanagari" panose="02040503050201020203" pitchFamily="18" charset="0"/>
+                <a:cs typeface="Adobe Devanagari" panose="02040503050201020203" pitchFamily="18" charset="0"/>
+              </a:rPr>
+              <a:t> – Head Core Developer/ Analytics</a:t>
+            </a:r>
+          </a:p>
+          <a:p>
+            <a:r>
+              <a:rPr lang="en-GB" dirty="0" err="1">
+                <a:latin typeface="Adobe Devanagari" panose="02040503050201020203" pitchFamily="18" charset="0"/>
+                <a:cs typeface="Adobe Devanagari" panose="02040503050201020203" pitchFamily="18" charset="0"/>
+              </a:rPr>
+              <a:t>Abdala</a:t>
+            </a:r>
+            <a:r>
+              <a:rPr lang="en-GB" dirty="0">
+                <a:latin typeface="Adobe Devanagari" panose="02040503050201020203" pitchFamily="18" charset="0"/>
+                <a:cs typeface="Adobe Devanagari" panose="02040503050201020203" pitchFamily="18" charset="0"/>
+              </a:rPr>
+              <a:t> - Marketing </a:t>
+            </a:r>
+          </a:p>
+          <a:p>
+            <a:r>
+              <a:rPr lang="en-GB" dirty="0">
+                <a:latin typeface="Adobe Devanagari" panose="02040503050201020203" pitchFamily="18" charset="0"/>
+                <a:cs typeface="Adobe Devanagari" panose="02040503050201020203" pitchFamily="18" charset="0"/>
+              </a:rPr>
+              <a:t>David – Payment </a:t>
+            </a:r>
+          </a:p>
+          <a:p>
+            <a:r>
+              <a:rPr lang="en-GB" dirty="0" err="1">
+                <a:latin typeface="Adobe Devanagari" panose="02040503050201020203" pitchFamily="18" charset="0"/>
+                <a:cs typeface="Adobe Devanagari" panose="02040503050201020203" pitchFamily="18" charset="0"/>
+              </a:rPr>
+              <a:t>Subodh</a:t>
+            </a:r>
+            <a:r>
+              <a:rPr lang="en-GB" dirty="0">
+                <a:latin typeface="Adobe Devanagari" panose="02040503050201020203" pitchFamily="18" charset="0"/>
+                <a:cs typeface="Adobe Devanagari" panose="02040503050201020203" pitchFamily="18" charset="0"/>
+              </a:rPr>
+              <a:t> – Loyalty Scheme</a:t>
+            </a:r>
+          </a:p>
+          <a:p>
+            <a:endParaRPr lang="en-GB" dirty="0"/>
+          </a:p>
+        </p:txBody>
+      </p:sp>
+    </p:spTree>
+    <p:extLst>
+      <p:ext uri="{BB962C8B-B14F-4D97-AF65-F5344CB8AC3E}">
+        <p14:creationId xmlns:p14="http://schemas.microsoft.com/office/powerpoint/2010/main" val="3379870592"/>
+      </p:ext>
+    </p:extLst>
+  </p:cSld>
+  <p:clrMapOvr>
+    <a:masterClrMapping/>
+  </p:clrMapOvr>
+</p:sld>
+</file>
+
+<file path=ppt/slides/slide4.xml><?xml version="1.0" encoding="utf-8"?>
+<p:sld xmlns:a="http://schemas.openxmlformats.org/drawingml/2006/main" xmlns:r="http://schemas.openxmlformats.org/officeDocument/2006/relationships" xmlns:p="http://schemas.openxmlformats.org/presentationml/2006/main">
+  <p:cSld>
+    <p:spTree>
+      <p:nvGrpSpPr>
+        <p:cNvPr id="1" name=""/>
+        <p:cNvGrpSpPr/>
+        <p:nvPr/>
+      </p:nvGrpSpPr>
+      <p:grpSpPr>
+        <a:xfrm>
+          <a:off x="0" y="0"/>
+          <a:ext cx="0" cy="0"/>
+          <a:chOff x="0" y="0"/>
+          <a:chExt cx="0" cy="0"/>
+        </a:xfrm>
+      </p:grpSpPr>
+      <p:sp>
+        <p:nvSpPr>
+          <p:cNvPr id="2" name="Title 1"/>
+          <p:cNvSpPr>
+            <a:spLocks noGrp="1"/>
+          </p:cNvSpPr>
+          <p:nvPr>
+            <p:ph type="title"/>
+          </p:nvPr>
+        </p:nvSpPr>
+        <p:spPr/>
+        <p:txBody>
+          <a:bodyPr/>
+          <a:lstStyle/>
+          <a:p>
+            <a:r>
+              <a:rPr lang="en-GB" dirty="0"/>
+              <a:t>Planning</a:t>
+            </a:r>
+          </a:p>
+        </p:txBody>
+      </p:sp>
+      <p:sp>
+        <p:nvSpPr>
+          <p:cNvPr id="5" name="Text Placeholder 4"/>
+          <p:cNvSpPr>
+            <a:spLocks noGrp="1"/>
+          </p:cNvSpPr>
+          <p:nvPr>
+            <p:ph type="body" sz="half" idx="2"/>
+          </p:nvPr>
+        </p:nvSpPr>
+        <p:spPr/>
+        <p:txBody>
+          <a:bodyPr/>
+          <a:lstStyle/>
+          <a:p>
+            <a:pPr marL="285750" indent="-285750">
+              <a:buFont typeface="Arial" panose="020B0604020202020204" pitchFamily="34" charset="0"/>
+              <a:buChar char="•"/>
+            </a:pPr>
+            <a:r>
+              <a:rPr lang="en-GB" dirty="0"/>
+              <a:t>The course of action we took towards the planning of the  project was brain storming.</a:t>
+            </a:r>
+          </a:p>
+          <a:p>
+            <a:pPr marL="285750" indent="-285750">
+              <a:buFont typeface="Arial" panose="020B0604020202020204" pitchFamily="34" charset="0"/>
+              <a:buChar char="•"/>
+            </a:pPr>
+            <a:r>
+              <a:rPr lang="en-GB" dirty="0"/>
+              <a:t>This was basic but effective as it encouraged group members to provide their ideas and perspective on the project.</a:t>
+            </a:r>
+          </a:p>
+          <a:p>
+            <a:pPr marL="285750" indent="-285750">
+              <a:buFont typeface="Arial" panose="020B0604020202020204" pitchFamily="34" charset="0"/>
+              <a:buChar char="•"/>
+            </a:pPr>
+            <a:endParaRPr lang="en-GB" dirty="0"/>
+          </a:p>
+        </p:txBody>
+      </p:sp>
+      <p:pic>
+        <p:nvPicPr>
+          <p:cNvPr id="3074" name="Picture 2" descr="Spider Diagram.jpg"/>
+          <p:cNvPicPr>
+            <a:picLocks noChangeAspect="1" noChangeArrowheads="1"/>
+          </p:cNvPicPr>
+          <p:nvPr/>
+        </p:nvPicPr>
+        <p:blipFill>
+          <a:blip r:embed="rId3" cstate="print">
+            <a:extLst>
+              <a:ext uri="{28A0092B-C50C-407E-A947-70E740481C1C}">
+                <a14:useLocalDpi xmlns:a14="http://schemas.microsoft.com/office/drawing/2010/main" val="0"/>
+              </a:ext>
+            </a:extLst>
+          </a:blip>
+          <a:srcRect/>
+          <a:stretch>
+            <a:fillRect/>
+          </a:stretch>
+        </p:blipFill>
+        <p:spPr bwMode="auto">
+          <a:xfrm>
+            <a:off x="5324008" y="1099518"/>
+            <a:ext cx="6529636" cy="5280038"/>
+          </a:xfrm>
+          <a:prstGeom prst="rect">
+            <a:avLst/>
+          </a:prstGeom>
+          <a:noFill/>
+          <a:extLst>
+            <a:ext uri="{909E8E84-426E-40DD-AFC4-6F175D3DCCD1}">
+              <a14:hiddenFill xmlns:a14="http://schemas.microsoft.com/office/drawing/2010/main">
+                <a:solidFill>
+                  <a:srgbClr val="FFFFFF"/>
+                </a:solidFill>
+              </a14:hiddenFill>
+            </a:ext>
+          </a:extLst>
+        </p:spPr>
+      </p:pic>
+    </p:spTree>
+    <p:extLst>
+      <p:ext uri="{BB962C8B-B14F-4D97-AF65-F5344CB8AC3E}">
+        <p14:creationId xmlns:p14="http://schemas.microsoft.com/office/powerpoint/2010/main" val="3549050706"/>
+      </p:ext>
+    </p:extLst>
+  </p:cSld>
+  <p:clrMapOvr>
+    <a:masterClrMapping/>
+  </p:clrMapOvr>
+</p:sld>
+</file>
+
+<file path=ppt/slides/slide5.xml><?xml version="1.0" encoding="utf-8"?>
+<p:sld xmlns:a="http://schemas.openxmlformats.org/drawingml/2006/main" xmlns:r="http://schemas.openxmlformats.org/officeDocument/2006/relationships" xmlns:p="http://schemas.openxmlformats.org/presentationml/2006/main">
+  <p:cSld>
+    <p:spTree>
+      <p:nvGrpSpPr>
+        <p:cNvPr id="1" name=""/>
+        <p:cNvGrpSpPr/>
+        <p:nvPr/>
+      </p:nvGrpSpPr>
+      <p:grpSpPr>
+        <a:xfrm>
+          <a:off x="0" y="0"/>
+          <a:ext cx="0" cy="0"/>
+          <a:chOff x="0" y="0"/>
+          <a:chExt cx="0" cy="0"/>
+        </a:xfrm>
+      </p:grpSpPr>
+      <p:sp>
+        <p:nvSpPr>
+          <p:cNvPr id="6" name="Title 5"/>
+          <p:cNvSpPr>
+            <a:spLocks noGrp="1"/>
+          </p:cNvSpPr>
+          <p:nvPr>
+            <p:ph type="title"/>
+          </p:nvPr>
+        </p:nvSpPr>
+        <p:spPr/>
+        <p:txBody>
+          <a:bodyPr/>
+          <a:lstStyle/>
+          <a:p>
+            <a:r>
+              <a:rPr lang="en-GB" dirty="0"/>
+              <a:t>Content Management System (CMS)</a:t>
+            </a:r>
+            <a:endParaRPr lang="en-US" dirty="0"/>
+          </a:p>
+        </p:txBody>
+      </p:sp>
+      <p:sp>
+        <p:nvSpPr>
+          <p:cNvPr id="7" name="Content Placeholder 6"/>
+          <p:cNvSpPr>
+            <a:spLocks noGrp="1"/>
+          </p:cNvSpPr>
+          <p:nvPr>
+            <p:ph idx="1"/>
+          </p:nvPr>
+        </p:nvSpPr>
+        <p:spPr>
+          <a:xfrm>
+            <a:off x="677334" y="1496560"/>
+            <a:ext cx="8596668" cy="3880773"/>
+          </a:xfrm>
+        </p:spPr>
+        <p:txBody>
+          <a:bodyPr/>
+          <a:lstStyle/>
+          <a:p>
+            <a:r>
+              <a:rPr lang="en-GB" dirty="0"/>
+              <a:t>A web content management system (WCM or WCMS) is a CMS designed to support the management of the content of Web pages. Most popular CMSs are also WCMSs. Web content includes text and embedded graphics, photos, video, audio, maps, and program code (e.g., for applications) that displays content or interacts with the user.</a:t>
+            </a:r>
+            <a:endParaRPr lang="en-US" dirty="0"/>
+          </a:p>
+        </p:txBody>
+      </p:sp>
+    </p:spTree>
+    <p:extLst>
+      <p:ext uri="{BB962C8B-B14F-4D97-AF65-F5344CB8AC3E}">
+        <p14:creationId xmlns:p14="http://schemas.microsoft.com/office/powerpoint/2010/main" val="637700727"/>
+      </p:ext>
+    </p:extLst>
+  </p:cSld>
+  <p:clrMapOvr>
+    <a:masterClrMapping/>
+  </p:clrMapOvr>
+</p:sld>
+</file>
+
+<file path=ppt/slides/slide6.xml><?xml version="1.0" encoding="utf-8"?>
+<p:sld xmlns:a="http://schemas.openxmlformats.org/drawingml/2006/main" xmlns:r="http://schemas.openxmlformats.org/officeDocument/2006/relationships" xmlns:p="http://schemas.openxmlformats.org/presentationml/2006/main">
+  <p:cSld>
+    <p:spTree>
+      <p:nvGrpSpPr>
+        <p:cNvPr id="1" name=""/>
+        <p:cNvGrpSpPr/>
+        <p:nvPr/>
+      </p:nvGrpSpPr>
+      <p:grpSpPr>
+        <a:xfrm>
+          <a:off x="0" y="0"/>
+          <a:ext cx="0" cy="0"/>
+          <a:chOff x="0" y="0"/>
+          <a:chExt cx="0" cy="0"/>
+        </a:xfrm>
+      </p:grpSpPr>
+      <p:sp>
+        <p:nvSpPr>
+          <p:cNvPr id="4" name="Title 3"/>
+          <p:cNvSpPr>
+            <a:spLocks noGrp="1"/>
+          </p:cNvSpPr>
+          <p:nvPr>
+            <p:ph type="title"/>
+          </p:nvPr>
+        </p:nvSpPr>
+        <p:spPr>
+          <a:xfrm>
+            <a:off x="574698" y="181428"/>
+            <a:ext cx="8596668" cy="1320800"/>
+          </a:xfrm>
+        </p:spPr>
+        <p:txBody>
+          <a:bodyPr/>
+          <a:lstStyle/>
+          <a:p>
+            <a:r>
+              <a:rPr lang="en-GB" dirty="0">
+                <a:latin typeface="Adobe Devanagari"/>
+              </a:rPr>
+              <a:t>WBS (Work Breakdown Structure)</a:t>
+            </a:r>
+          </a:p>
+        </p:txBody>
+      </p:sp>
+      <p:pic>
+        <p:nvPicPr>
+          <p:cNvPr id="6" name="Picture 5"/>
+          <p:cNvPicPr/>
+          <p:nvPr/>
+        </p:nvPicPr>
+        <p:blipFill rotWithShape="1">
+          <a:blip r:embed="rId3" cstate="print">
+            <a:extLst>
+              <a:ext uri="{28A0092B-C50C-407E-A947-70E740481C1C}">
+                <a14:useLocalDpi xmlns:a14="http://schemas.microsoft.com/office/drawing/2010/main" val="0"/>
+              </a:ext>
+            </a:extLst>
+          </a:blip>
+          <a:srcRect l="28084" t="18022" r="29205" b="16683"/>
+          <a:stretch/>
+        </p:blipFill>
+        <p:spPr bwMode="auto">
+          <a:xfrm>
+            <a:off x="2371296" y="1057013"/>
+            <a:ext cx="7116653" cy="5580289"/>
+          </a:xfrm>
+          <a:prstGeom prst="rect">
+            <a:avLst/>
+          </a:prstGeom>
+          <a:solidFill>
+            <a:srgbClr val="FFFFFF">
+              <a:shade val="85000"/>
+            </a:srgbClr>
+          </a:solidFill>
+          <a:ln w="190500" cap="rnd">
+            <a:solidFill>
+              <a:srgbClr val="FFFFFF"/>
+            </a:solidFill>
+          </a:ln>
+          <a:effectLst>
+            <a:outerShdw blurRad="50000" algn="tl" rotWithShape="0">
+              <a:srgbClr val="000000">
+                <a:alpha val="41000"/>
+              </a:srgbClr>
+            </a:outerShdw>
+          </a:effectLst>
+          <a:scene3d>
+            <a:camera prst="orthographicFront"/>
+            <a:lightRig rig="twoPt" dir="t">
+              <a:rot lat="0" lon="0" rev="7800000"/>
+            </a:lightRig>
+          </a:scene3d>
+          <a:sp3d contourW="6350">
+            <a:bevelT w="50800" h="16510"/>
+            <a:contourClr>
+              <a:srgbClr val="C0C0C0"/>
+            </a:contourClr>
+          </a:sp3d>
+          <a:extLst>
+            <a:ext uri="{53640926-AAD7-44D8-BBD7-CCE9431645EC}">
+              <a14:shadowObscured xmlns:a14="http://schemas.microsoft.com/office/drawing/2010/main"/>
+            </a:ext>
+          </a:extLst>
+        </p:spPr>
+      </p:pic>
+    </p:spTree>
+    <p:extLst>
+      <p:ext uri="{BB962C8B-B14F-4D97-AF65-F5344CB8AC3E}">
+        <p14:creationId xmlns:p14="http://schemas.microsoft.com/office/powerpoint/2010/main" val="4097450086"/>
+      </p:ext>
+    </p:extLst>
+  </p:cSld>
+  <p:clrMapOvr>
+    <a:masterClrMapping/>
+  </p:clrMapOvr>
+</p:sld>
+</file>
+
+<file path=ppt/slides/slide7.xml><?xml version="1.0" encoding="utf-8"?>
+<p:sld xmlns:a="http://schemas.openxmlformats.org/drawingml/2006/main" xmlns:r="http://schemas.openxmlformats.org/officeDocument/2006/relationships" xmlns:p="http://schemas.openxmlformats.org/presentationml/2006/main">
+  <p:cSld>
+    <p:spTree>
+      <p:nvGrpSpPr>
+        <p:cNvPr id="1" name=""/>
+        <p:cNvGrpSpPr/>
+        <p:nvPr/>
+      </p:nvGrpSpPr>
+      <p:grpSpPr>
+        <a:xfrm>
+          <a:off x="0" y="0"/>
+          <a:ext cx="0" cy="0"/>
+          <a:chOff x="0" y="0"/>
+          <a:chExt cx="0" cy="0"/>
+        </a:xfrm>
+      </p:grpSpPr>
+      <p:sp>
+        <p:nvSpPr>
+          <p:cNvPr id="2" name="Title 1"/>
+          <p:cNvSpPr>
+            <a:spLocks noGrp="1"/>
+          </p:cNvSpPr>
+          <p:nvPr>
+            <p:ph type="title"/>
+          </p:nvPr>
+        </p:nvSpPr>
+        <p:spPr/>
+        <p:txBody>
+          <a:bodyPr/>
+          <a:lstStyle/>
+          <a:p>
+            <a:r>
+              <a:rPr lang="en-GB" dirty="0"/>
+              <a:t>Head Core Developer / Analytics</a:t>
+            </a:r>
+            <a:br>
+              <a:rPr lang="en-GB" dirty="0"/>
+            </a:br>
+            <a:endParaRPr lang="en-GB" dirty="0"/>
+          </a:p>
+        </p:txBody>
+      </p:sp>
+      <p:sp>
+        <p:nvSpPr>
+          <p:cNvPr id="3" name="Content Placeholder 2"/>
+          <p:cNvSpPr>
+            <a:spLocks noGrp="1"/>
+          </p:cNvSpPr>
+          <p:nvPr>
+            <p:ph idx="1"/>
+          </p:nvPr>
+        </p:nvSpPr>
+        <p:spPr/>
+        <p:txBody>
+          <a:bodyPr>
+            <a:normAutofit/>
+          </a:bodyPr>
+          <a:lstStyle/>
+          <a:p>
+            <a:r>
+              <a:rPr lang="en-GB" dirty="0"/>
+              <a:t>Head Core Developer</a:t>
+            </a:r>
+          </a:p>
+          <a:p>
+            <a:pPr lvl="1"/>
+            <a:r>
+              <a:rPr lang="en-GB" dirty="0"/>
+              <a:t>Website Structure</a:t>
+            </a:r>
+          </a:p>
+          <a:p>
+            <a:pPr lvl="1"/>
+            <a:r>
+              <a:rPr lang="en-GB" dirty="0"/>
+              <a:t>Database Structure</a:t>
+            </a:r>
+          </a:p>
+          <a:p>
+            <a:pPr lvl="1"/>
+            <a:r>
+              <a:rPr lang="en-US" dirty="0"/>
+              <a:t>Quality Assurance</a:t>
+            </a:r>
+          </a:p>
+          <a:p>
+            <a:r>
+              <a:rPr lang="en-GB" dirty="0"/>
+              <a:t>The field of data analysis. Analytics often involves studying past historical data to research potential trends, to analyse the effects of certain decisions or events, or to evaluate the performance of a given tool or scenario. </a:t>
+            </a:r>
+          </a:p>
+          <a:p>
+            <a:r>
+              <a:rPr lang="en-GB" dirty="0"/>
+              <a:t>The goal of analytics is to improve the business by gaining knowledge which can be used to make improvements or changes.</a:t>
+            </a:r>
+          </a:p>
+          <a:p>
+            <a:pPr marL="0" indent="0">
+              <a:buNone/>
+            </a:pPr>
+            <a:br>
+              <a:rPr lang="en-GB" dirty="0"/>
+            </a:br>
+            <a:endParaRPr lang="en-GB" dirty="0"/>
+          </a:p>
+        </p:txBody>
+      </p:sp>
+    </p:spTree>
+    <p:extLst>
+      <p:ext uri="{BB962C8B-B14F-4D97-AF65-F5344CB8AC3E}">
+        <p14:creationId xmlns:p14="http://schemas.microsoft.com/office/powerpoint/2010/main" val="3848158416"/>
+      </p:ext>
+    </p:extLst>
+  </p:cSld>
+  <p:clrMapOvr>
+    <a:masterClrMapping/>
+  </p:clrMapOvr>
+</p:sld>
+</file>
+
+<file path=ppt/slides/slide8.xml><?xml version="1.0" encoding="utf-8"?>
+<p:sld xmlns:a="http://schemas.openxmlformats.org/drawingml/2006/main" xmlns:r="http://schemas.openxmlformats.org/officeDocument/2006/relationships" xmlns:p="http://schemas.openxmlformats.org/presentationml/2006/main">
+  <p:cSld>
+    <p:spTree>
+      <p:nvGrpSpPr>
+        <p:cNvPr id="1" name=""/>
+        <p:cNvGrpSpPr/>
+        <p:nvPr/>
+      </p:nvGrpSpPr>
+      <p:grpSpPr>
+        <a:xfrm>
+          <a:off x="0" y="0"/>
+          <a:ext cx="0" cy="0"/>
+          <a:chOff x="0" y="0"/>
+          <a:chExt cx="0" cy="0"/>
+        </a:xfrm>
+      </p:grpSpPr>
+      <p:pic>
+        <p:nvPicPr>
+          <p:cNvPr id="1026" name="Picture 2" descr="Website Structure.jpg"/>
+          <p:cNvPicPr>
+            <a:picLocks noGrp="1" noChangeAspect="1" noChangeArrowheads="1"/>
+          </p:cNvPicPr>
+          <p:nvPr>
+            <p:ph idx="1"/>
+          </p:nvPr>
+        </p:nvPicPr>
+        <p:blipFill rotWithShape="1">
+          <a:blip r:embed="rId3" cstate="print">
+            <a:extLst>
+              <a:ext uri="{28A0092B-C50C-407E-A947-70E740481C1C}">
+                <a14:useLocalDpi xmlns:a14="http://schemas.microsoft.com/office/drawing/2010/main" val="0"/>
+              </a:ext>
+            </a:extLst>
+          </a:blip>
+          <a:srcRect r="1499"/>
+          <a:stretch/>
+        </p:blipFill>
+        <p:spPr bwMode="auto">
+          <a:xfrm>
+            <a:off x="552963" y="261257"/>
+            <a:ext cx="8435913" cy="6248855"/>
+          </a:xfrm>
+          <a:prstGeom prst="rect">
+            <a:avLst/>
+          </a:prstGeom>
+          <a:noFill/>
+          <a:extLst>
+            <a:ext uri="{909E8E84-426E-40DD-AFC4-6F175D3DCCD1}">
+              <a14:hiddenFill xmlns:a14="http://schemas.microsoft.com/office/drawing/2010/main">
+                <a:solidFill>
+                  <a:srgbClr val="FFFFFF"/>
+                </a:solidFill>
+              </a14:hiddenFill>
+            </a:ext>
+          </a:extLst>
+        </p:spPr>
+      </p:pic>
+    </p:spTree>
+    <p:extLst>
+      <p:ext uri="{BB962C8B-B14F-4D97-AF65-F5344CB8AC3E}">
+        <p14:creationId xmlns:p14="http://schemas.microsoft.com/office/powerpoint/2010/main" val="3822388409"/>
+      </p:ext>
+    </p:extLst>
+  </p:cSld>
+  <p:clrMapOvr>
+    <a:masterClrMapping/>
+  </p:clrMapOvr>
+</p:sld>
+</file>
+
+<file path=ppt/slides/slide9.xml><?xml version="1.0" encoding="utf-8"?>
+<p:sld xmlns:a="http://schemas.openxmlformats.org/drawingml/2006/main" xmlns:r="http://schemas.openxmlformats.org/officeDocument/2006/relationships" xmlns:p="http://schemas.openxmlformats.org/presentationml/2006/main">
+  <p:cSld>
+    <p:spTree>
+      <p:nvGrpSpPr>
+        <p:cNvPr id="1" name=""/>
+        <p:cNvGrpSpPr/>
+        <p:nvPr/>
+      </p:nvGrpSpPr>
+      <p:grpSpPr>
+        <a:xfrm>
+          <a:off x="0" y="0"/>
+          <a:ext cx="0" cy="0"/>
+          <a:chOff x="0" y="0"/>
+          <a:chExt cx="0" cy="0"/>
+        </a:xfrm>
+      </p:grpSpPr>
+      <p:sp>
+        <p:nvSpPr>
+          <p:cNvPr id="2" name="Title 1"/>
+          <p:cNvSpPr>
+            <a:spLocks noGrp="1"/>
+          </p:cNvSpPr>
+          <p:nvPr>
+            <p:ph type="title"/>
+          </p:nvPr>
+        </p:nvSpPr>
+        <p:spPr/>
+        <p:txBody>
+          <a:bodyPr/>
+          <a:lstStyle/>
+          <a:p>
+            <a:r>
+              <a:rPr lang="en-GB" dirty="0"/>
+              <a:t>Database</a:t>
+            </a:r>
+            <a:endParaRPr lang="en-US" dirty="0"/>
+          </a:p>
+        </p:txBody>
+      </p:sp>
+      <p:sp>
+        <p:nvSpPr>
+          <p:cNvPr id="3" name="Content Placeholder 2"/>
+          <p:cNvSpPr>
+            <a:spLocks noGrp="1"/>
+          </p:cNvSpPr>
+          <p:nvPr>
+            <p:ph idx="1"/>
+          </p:nvPr>
+        </p:nvSpPr>
+        <p:spPr/>
+        <p:txBody>
+          <a:bodyPr>
+            <a:normAutofit/>
+          </a:bodyPr>
+          <a:lstStyle/>
+          <a:p>
+            <a:r>
+              <a:rPr lang="en-GB" dirty="0"/>
+              <a:t>Table names:</a:t>
+            </a:r>
+          </a:p>
+          <a:p>
+            <a:pPr lvl="1"/>
+            <a:r>
+              <a:rPr lang="en-GB" dirty="0"/>
+              <a:t>Account</a:t>
+            </a:r>
+          </a:p>
+          <a:p>
+            <a:pPr lvl="1"/>
+            <a:r>
+              <a:rPr lang="en-GB" dirty="0"/>
+              <a:t>Cart</a:t>
+            </a:r>
+          </a:p>
+          <a:p>
+            <a:pPr lvl="1"/>
+            <a:r>
+              <a:rPr lang="en-GB" dirty="0"/>
+              <a:t>News</a:t>
+            </a:r>
+          </a:p>
+          <a:p>
+            <a:pPr lvl="1"/>
+            <a:r>
+              <a:rPr lang="en-GB" dirty="0"/>
+              <a:t>Products</a:t>
+            </a:r>
+          </a:p>
+          <a:p>
+            <a:pPr lvl="1"/>
+            <a:r>
+              <a:rPr lang="en-GB" dirty="0"/>
+              <a:t>Promotions</a:t>
+            </a:r>
+          </a:p>
+          <a:p>
+            <a:pPr lvl="1"/>
+            <a:r>
+              <a:rPr lang="en-GB" dirty="0"/>
+              <a:t>Purchase_order</a:t>
+            </a:r>
+          </a:p>
+          <a:p>
+            <a:pPr lvl="1"/>
+            <a:r>
+              <a:rPr lang="en-GB" dirty="0"/>
+              <a:t>Purchase_transactions</a:t>
+            </a:r>
+          </a:p>
+          <a:p>
+            <a:pPr lvl="1"/>
+            <a:r>
+              <a:rPr lang="en-GB" dirty="0"/>
+              <a:t>Stock</a:t>
+            </a:r>
+          </a:p>
+          <a:p>
+            <a:pPr lvl="1"/>
+            <a:r>
+              <a:rPr lang="en-GB" dirty="0"/>
+              <a:t>Supplier</a:t>
+            </a:r>
+          </a:p>
+          <a:p>
+            <a:endParaRPr lang="en-US" dirty="0"/>
+          </a:p>
+        </p:txBody>
+      </p:sp>
+    </p:spTree>
+    <p:extLst>
+      <p:ext uri="{BB962C8B-B14F-4D97-AF65-F5344CB8AC3E}">
+        <p14:creationId xmlns:p14="http://schemas.microsoft.com/office/powerpoint/2010/main" val="2193651466"/>
       </p:ext>
     </p:extLst>
   </p:cSld>
@@ -12052,6 +11965,18 @@
 </file>
 
 <file path=ppt/tags/tag2.xml><?xml version="1.0" encoding="utf-8"?>
+<p:tagLst xmlns:a="http://schemas.openxmlformats.org/drawingml/2006/main" xmlns:r="http://schemas.openxmlformats.org/officeDocument/2006/relationships" xmlns:p="http://schemas.openxmlformats.org/presentationml/2006/main">
+  <p:tag name="__PE_HAS_URLS" val="oh hey this is notes box, due to this not being an empty string. woot."/>
+</p:tagLst>
+</file>
+
+<file path=ppt/tags/tag20.xml><?xml version="1.0" encoding="utf-8"?>
+<p:tagLst xmlns:a="http://schemas.openxmlformats.org/drawingml/2006/main" xmlns:r="http://schemas.openxmlformats.org/officeDocument/2006/relationships" xmlns:p="http://schemas.openxmlformats.org/presentationml/2006/main">
+  <p:tag name="__PE_HAS_URLS" val="oh hey this is notes box, due to this not being an empty string. woot."/>
+</p:tagLst>
+</file>
+
+<file path=ppt/tags/tag21.xml><?xml version="1.0" encoding="utf-8"?>
 <p:tagLst xmlns:a="http://schemas.openxmlformats.org/drawingml/2006/main" xmlns:r="http://schemas.openxmlformats.org/officeDocument/2006/relationships" xmlns:p="http://schemas.openxmlformats.org/presentationml/2006/main">
   <p:tag name="__PE_HAS_URLS" val="oh hey this is notes box, due to this not being an empty string. woot."/>
 </p:tagLst>
